--- a/발표자료 및 보고서/프로젝트 진행계획 발표자료(양화대교).pptx
+++ b/발표자료 및 보고서/프로젝트 진행계획 발표자료(양화대교).pptx
@@ -5986,7 +5986,7 @@
         </p:blipFill>
         <p:spPr>
           <a:xfrm>
-            <a:off x="4317005" y="2085863"/>
+            <a:off x="3302706" y="2085863"/>
             <a:ext cx="1156236" cy="895150"/>
           </a:xfrm>
           <a:prstGeom prst="rect">
@@ -6011,7 +6011,7 @@
         </p:nvSpPr>
         <p:spPr>
           <a:xfrm>
-            <a:off x="2785563" y="2167607"/>
+            <a:off x="1771264" y="2167607"/>
             <a:ext cx="1618725" cy="246222"/>
           </a:xfrm>
           <a:prstGeom prst="rect">
@@ -6083,7 +6083,7 @@
         </p:nvSpPr>
         <p:spPr>
           <a:xfrm>
-            <a:off x="2785564" y="2461736"/>
+            <a:off x="1771265" y="2461736"/>
             <a:ext cx="1449948" cy="184666"/>
           </a:xfrm>
           <a:prstGeom prst="rect">
@@ -6342,7 +6342,7 @@
         </p:nvSpPr>
         <p:spPr>
           <a:xfrm>
-            <a:off x="7559265" y="2249351"/>
+            <a:off x="8668799" y="2249351"/>
             <a:ext cx="1618725" cy="246222"/>
           </a:xfrm>
           <a:prstGeom prst="rect">
@@ -6384,7 +6384,7 @@
         </p:nvSpPr>
         <p:spPr>
           <a:xfrm>
-            <a:off x="7559265" y="2543480"/>
+            <a:off x="8668799" y="2543480"/>
             <a:ext cx="1449948" cy="184666"/>
           </a:xfrm>
           <a:prstGeom prst="rect">
@@ -6507,7 +6507,7 @@
         </p:blipFill>
         <p:spPr bwMode="auto">
           <a:xfrm>
-            <a:off x="6623526" y="2120473"/>
+            <a:off x="7733060" y="2120473"/>
             <a:ext cx="806430" cy="806430"/>
           </a:xfrm>
           <a:prstGeom prst="rect">
@@ -6611,6 +6611,146 @@
           </a:prstGeom>
         </p:spPr>
       </p:pic>
+      <p:pic>
+        <p:nvPicPr>
+          <p:cNvPr id="1026" name="Picture 2" descr="깃허브 로고에 대한 이미지 검색결과">
+            <a:extLst>
+              <a:ext uri="{FF2B5EF4-FFF2-40B4-BE49-F238E27FC236}">
+                <a16:creationId xmlns:a16="http://schemas.microsoft.com/office/drawing/2014/main" id="{6A78AAD0-B720-4B02-B23C-B788DD977C74}"/>
+              </a:ext>
+            </a:extLst>
+          </p:cNvPr>
+          <p:cNvPicPr>
+            <a:picLocks noChangeAspect="1" noChangeArrowheads="1"/>
+          </p:cNvPicPr>
+          <p:nvPr/>
+        </p:nvPicPr>
+        <p:blipFill>
+          <a:blip r:embed="rId8">
+            <a:extLst>
+              <a:ext uri="{28A0092B-C50C-407E-A947-70E740481C1C}">
+                <a14:useLocalDpi xmlns:a14="http://schemas.microsoft.com/office/drawing/2010/main" val="0"/>
+              </a:ext>
+            </a:extLst>
+          </a:blip>
+          <a:srcRect/>
+          <a:stretch>
+            <a:fillRect/>
+          </a:stretch>
+        </p:blipFill>
+        <p:spPr bwMode="auto">
+          <a:xfrm>
+            <a:off x="5399668" y="1684354"/>
+            <a:ext cx="1070870" cy="966506"/>
+          </a:xfrm>
+          <a:prstGeom prst="rect">
+            <a:avLst/>
+          </a:prstGeom>
+          <a:noFill/>
+          <a:extLst>
+            <a:ext uri="{909E8E84-426E-40DD-AFC4-6F175D3DCCD1}">
+              <a14:hiddenFill xmlns:a14="http://schemas.microsoft.com/office/drawing/2010/main">
+                <a:solidFill>
+                  <a:srgbClr val="FFFFFF"/>
+                </a:solidFill>
+              </a14:hiddenFill>
+            </a:ext>
+          </a:extLst>
+        </p:spPr>
+      </p:pic>
+      <p:sp>
+        <p:nvSpPr>
+          <p:cNvPr id="21" name="テキスト ボックス 122">
+            <a:extLst>
+              <a:ext uri="{FF2B5EF4-FFF2-40B4-BE49-F238E27FC236}">
+                <a16:creationId xmlns:a16="http://schemas.microsoft.com/office/drawing/2014/main" id="{EDB7310B-231A-40B6-98E3-B65D6D27A8FE}"/>
+              </a:ext>
+            </a:extLst>
+          </p:cNvPr>
+          <p:cNvSpPr txBox="1"/>
+          <p:nvPr/>
+        </p:nvSpPr>
+        <p:spPr>
+          <a:xfrm>
+            <a:off x="5083795" y="1238396"/>
+            <a:ext cx="1618725" cy="246222"/>
+          </a:xfrm>
+          <a:prstGeom prst="rect">
+            <a:avLst/>
+          </a:prstGeom>
+          <a:noFill/>
+        </p:spPr>
+        <p:txBody>
+          <a:bodyPr wrap="square" lIns="0" tIns="0" rIns="0" bIns="0" rtlCol="0">
+            <a:spAutoFit/>
+          </a:bodyPr>
+          <a:lstStyle/>
+          <a:p>
+            <a:pPr algn="ctr"/>
+            <a:r>
+              <a:rPr lang="en-US" altLang="ja-JP" sz="1600" b="1" dirty="0">
+                <a:solidFill>
+                  <a:srgbClr val="002060"/>
+                </a:solidFill>
+                <a:latin typeface="+mj-ea"/>
+                <a:ea typeface="+mj-ea"/>
+                <a:cs typeface="Segoe UI" panose="020B0502040204020203" pitchFamily="34" charset="0"/>
+              </a:rPr>
+              <a:t>GitHub</a:t>
+            </a:r>
+          </a:p>
+        </p:txBody>
+      </p:sp>
+      <p:sp>
+        <p:nvSpPr>
+          <p:cNvPr id="22" name="長方形 340">
+            <a:extLst>
+              <a:ext uri="{FF2B5EF4-FFF2-40B4-BE49-F238E27FC236}">
+                <a16:creationId xmlns:a16="http://schemas.microsoft.com/office/drawing/2014/main" id="{88174A0C-2E28-4E31-838B-53C6C038A2F9}"/>
+              </a:ext>
+            </a:extLst>
+          </p:cNvPr>
+          <p:cNvSpPr/>
+          <p:nvPr/>
+        </p:nvSpPr>
+        <p:spPr>
+          <a:xfrm>
+            <a:off x="5226351" y="1496599"/>
+            <a:ext cx="1449948" cy="184666"/>
+          </a:xfrm>
+          <a:prstGeom prst="rect">
+            <a:avLst/>
+          </a:prstGeom>
+        </p:spPr>
+        <p:txBody>
+          <a:bodyPr wrap="square" lIns="0" tIns="0" rIns="0" bIns="0" rtlCol="0">
+            <a:spAutoFit/>
+          </a:bodyPr>
+          <a:lstStyle/>
+          <a:p>
+            <a:pPr algn="ctr" rtl="0"/>
+            <a:r>
+              <a:rPr lang="ko-KR" altLang="en-US" sz="1200" dirty="0">
+                <a:solidFill>
+                  <a:srgbClr val="002060"/>
+                </a:solidFill>
+                <a:latin typeface="+mj-ea"/>
+                <a:ea typeface="+mj-ea"/>
+                <a:cs typeface="Segoe UI" panose="020B0502040204020203" pitchFamily="34" charset="0"/>
+              </a:rPr>
+              <a:t>협업 및 형상관리</a:t>
+            </a:r>
+            <a:endParaRPr lang="en-US" altLang="ja-JP" sz="1200" dirty="0">
+              <a:solidFill>
+                <a:srgbClr val="002060"/>
+              </a:solidFill>
+              <a:latin typeface="+mj-ea"/>
+              <a:ea typeface="+mj-ea"/>
+              <a:cs typeface="Segoe UI" panose="020B0502040204020203" pitchFamily="34" charset="0"/>
+            </a:endParaRPr>
+          </a:p>
+        </p:txBody>
+      </p:sp>
     </p:spTree>
     <p:extLst>
       <p:ext uri="{BB962C8B-B14F-4D97-AF65-F5344CB8AC3E}">
@@ -7463,7 +7603,7 @@
                 </a:solidFill>
                 <a:latin typeface="+mj-ea"/>
               </a:rPr>
-              <a:t>데이터 정제 프로세스 구현</a:t>
+              <a:t>데이터 정제 및 보고 프로세스 구현</a:t>
             </a:r>
             <a:endParaRPr lang="en-US" altLang="ko-KR" sz="1200" b="1" dirty="0">
               <a:solidFill>
@@ -7492,7 +7632,7 @@
                 </a:solidFill>
                 <a:latin typeface="+mj-ea"/>
               </a:rPr>
-              <a:t>GUI </a:t>
+              <a:t>GUI(</a:t>
             </a:r>
             <a:r>
               <a:rPr lang="ko-KR" altLang="en-US" sz="1200" b="1" dirty="0">
@@ -7501,19 +7641,17 @@
                 </a:solidFill>
                 <a:latin typeface="+mj-ea"/>
               </a:rPr>
-              <a:t>구현</a:t>
+              <a:t>서비스</a:t>
             </a:r>
-            <a:endParaRPr lang="en-US" altLang="ko-KR" sz="1200" b="1" dirty="0">
-              <a:solidFill>
-                <a:schemeClr val="bg1"/>
-              </a:solidFill>
-              <a:latin typeface="+mj-ea"/>
-            </a:endParaRPr>
-          </a:p>
-          <a:p>
-            <a:pPr marL="0" indent="0" algn="ctr">
-              <a:buNone/>
-            </a:pPr>
+            <a:r>
+              <a:rPr lang="en-US" altLang="ko-KR" sz="1200" b="1" dirty="0">
+                <a:solidFill>
+                  <a:schemeClr val="bg1"/>
+                </a:solidFill>
+                <a:latin typeface="+mj-ea"/>
+              </a:rPr>
+              <a:t>) </a:t>
+            </a:r>
             <a:r>
               <a:rPr lang="ko-KR" altLang="en-US" sz="1200" b="1" dirty="0">
                 <a:solidFill>
@@ -7521,7 +7659,7 @@
                 </a:solidFill>
                 <a:latin typeface="+mj-ea"/>
               </a:rPr>
-              <a:t>⊙데이터 보고 프로세스 구현</a:t>
+              <a:t>구현</a:t>
             </a:r>
             <a:endParaRPr lang="ja-JP" altLang="en-US" sz="1200" b="1" dirty="0">
               <a:solidFill>
@@ -9011,6 +9149,26 @@
               </a:defRPr>
             </a:lvl9pPr>
           </a:lstStyle>
+          <a:p>
+            <a:pPr marL="0" indent="0" algn="ctr">
+              <a:buNone/>
+            </a:pPr>
+            <a:r>
+              <a:rPr lang="ko-KR" altLang="en-US" sz="1200" b="1" dirty="0">
+                <a:solidFill>
+                  <a:schemeClr val="bg1"/>
+                </a:solidFill>
+                <a:latin typeface="+mj-ea"/>
+              </a:rPr>
+              <a:t>⊙설계 마무리</a:t>
+            </a:r>
+            <a:endParaRPr lang="en-US" altLang="ko-KR" sz="1200" b="1" dirty="0">
+              <a:solidFill>
+                <a:schemeClr val="bg1"/>
+              </a:solidFill>
+              <a:latin typeface="+mj-ea"/>
+            </a:endParaRPr>
+          </a:p>
           <a:p>
             <a:pPr marL="0" indent="0" algn="ctr">
               <a:buNone/>

--- a/발표자료 및 보고서/프로젝트 진행계획 발표자료(양화대교).pptx
+++ b/발표자료 및 보고서/프로젝트 진행계획 발표자료(양화대교).pptx
@@ -5,7 +5,7 @@
     <p:sldMasterId id="2147483648" r:id="rId1"/>
   </p:sldMasterIdLst>
   <p:notesMasterIdLst>
-    <p:notesMasterId r:id="rId17"/>
+    <p:notesMasterId r:id="rId18"/>
   </p:notesMasterIdLst>
   <p:sldIdLst>
     <p:sldId id="257" r:id="rId2"/>
@@ -14,15 +14,16 @@
     <p:sldId id="275" r:id="rId5"/>
     <p:sldId id="259" r:id="rId6"/>
     <p:sldId id="280" r:id="rId7"/>
-    <p:sldId id="277" r:id="rId8"/>
-    <p:sldId id="285" r:id="rId9"/>
-    <p:sldId id="286" r:id="rId10"/>
-    <p:sldId id="287" r:id="rId11"/>
-    <p:sldId id="281" r:id="rId12"/>
-    <p:sldId id="283" r:id="rId13"/>
-    <p:sldId id="268" r:id="rId14"/>
-    <p:sldId id="284" r:id="rId15"/>
-    <p:sldId id="273" r:id="rId16"/>
+    <p:sldId id="288" r:id="rId8"/>
+    <p:sldId id="277" r:id="rId9"/>
+    <p:sldId id="285" r:id="rId10"/>
+    <p:sldId id="286" r:id="rId11"/>
+    <p:sldId id="287" r:id="rId12"/>
+    <p:sldId id="281" r:id="rId13"/>
+    <p:sldId id="283" r:id="rId14"/>
+    <p:sldId id="268" r:id="rId15"/>
+    <p:sldId id="284" r:id="rId16"/>
+    <p:sldId id="273" r:id="rId17"/>
   </p:sldIdLst>
   <p:sldSz cx="12192000" cy="6858000"/>
   <p:notesSz cx="6858000" cy="9144000"/>
@@ -492,6 +493,1682 @@
     </a:lvl9pPr>
   </p:notesStyle>
 </p:notesMaster>
+</file>
+
+<file path=ppt/notesSlides/notesSlide1.xml><?xml version="1.0" encoding="utf-8"?>
+<p:notes xmlns:a="http://schemas.openxmlformats.org/drawingml/2006/main" xmlns:r="http://schemas.openxmlformats.org/officeDocument/2006/relationships" xmlns:p="http://schemas.openxmlformats.org/presentationml/2006/main">
+  <p:cSld>
+    <p:spTree>
+      <p:nvGrpSpPr>
+        <p:cNvPr id="1" name=""/>
+        <p:cNvGrpSpPr/>
+        <p:nvPr/>
+      </p:nvGrpSpPr>
+      <p:grpSpPr>
+        <a:xfrm>
+          <a:off x="0" y="0"/>
+          <a:ext cx="0" cy="0"/>
+          <a:chOff x="0" y="0"/>
+          <a:chExt cx="0" cy="0"/>
+        </a:xfrm>
+      </p:grpSpPr>
+      <p:sp>
+        <p:nvSpPr>
+          <p:cNvPr id="2" name="슬라이드 이미지 개체 틀 1"/>
+          <p:cNvSpPr>
+            <a:spLocks noGrp="1" noRot="1" noChangeAspect="1"/>
+          </p:cNvSpPr>
+          <p:nvPr>
+            <p:ph type="sldImg"/>
+          </p:nvPr>
+        </p:nvSpPr>
+        <p:spPr/>
+      </p:sp>
+      <p:sp>
+        <p:nvSpPr>
+          <p:cNvPr id="3" name="슬라이드 노트 개체 틀 2"/>
+          <p:cNvSpPr>
+            <a:spLocks noGrp="1"/>
+          </p:cNvSpPr>
+          <p:nvPr>
+            <p:ph type="body" idx="1"/>
+          </p:nvPr>
+        </p:nvSpPr>
+        <p:spPr/>
+        <p:txBody>
+          <a:bodyPr/>
+          <a:lstStyle/>
+          <a:p>
+            <a:endParaRPr lang="ko-KR" altLang="en-US" dirty="0"/>
+          </a:p>
+        </p:txBody>
+      </p:sp>
+      <p:sp>
+        <p:nvSpPr>
+          <p:cNvPr id="4" name="슬라이드 번호 개체 틀 3"/>
+          <p:cNvSpPr>
+            <a:spLocks noGrp="1"/>
+          </p:cNvSpPr>
+          <p:nvPr>
+            <p:ph type="sldNum" sz="quarter" idx="5"/>
+          </p:nvPr>
+        </p:nvSpPr>
+        <p:spPr/>
+        <p:txBody>
+          <a:bodyPr/>
+          <a:lstStyle/>
+          <a:p>
+            <a:fld id="{1C1E4306-6A9D-4F8E-B9CF-2F1DBA327F17}" type="slidenum">
+              <a:rPr lang="ko-KR" altLang="en-US" smtClean="0"/>
+              <a:t>3</a:t>
+            </a:fld>
+            <a:endParaRPr lang="ko-KR" altLang="en-US"/>
+          </a:p>
+        </p:txBody>
+      </p:sp>
+    </p:spTree>
+    <p:extLst>
+      <p:ext uri="{BB962C8B-B14F-4D97-AF65-F5344CB8AC3E}">
+        <p14:creationId xmlns:p14="http://schemas.microsoft.com/office/powerpoint/2010/main" val="2352411287"/>
+      </p:ext>
+    </p:extLst>
+  </p:cSld>
+  <p:clrMapOvr>
+    <a:masterClrMapping/>
+  </p:clrMapOvr>
+</p:notes>
+</file>
+
+<file path=ppt/notesSlides/notesSlide10.xml><?xml version="1.0" encoding="utf-8"?>
+<p:notes xmlns:a="http://schemas.openxmlformats.org/drawingml/2006/main" xmlns:r="http://schemas.openxmlformats.org/officeDocument/2006/relationships" xmlns:p="http://schemas.openxmlformats.org/presentationml/2006/main">
+  <p:cSld>
+    <p:spTree>
+      <p:nvGrpSpPr>
+        <p:cNvPr id="1" name=""/>
+        <p:cNvGrpSpPr/>
+        <p:nvPr/>
+      </p:nvGrpSpPr>
+      <p:grpSpPr>
+        <a:xfrm>
+          <a:off x="0" y="0"/>
+          <a:ext cx="0" cy="0"/>
+          <a:chOff x="0" y="0"/>
+          <a:chExt cx="0" cy="0"/>
+        </a:xfrm>
+      </p:grpSpPr>
+      <p:sp>
+        <p:nvSpPr>
+          <p:cNvPr id="2" name="슬라이드 이미지 개체 틀 1"/>
+          <p:cNvSpPr>
+            <a:spLocks noGrp="1" noRot="1" noChangeAspect="1"/>
+          </p:cNvSpPr>
+          <p:nvPr>
+            <p:ph type="sldImg"/>
+          </p:nvPr>
+        </p:nvSpPr>
+        <p:spPr/>
+      </p:sp>
+      <p:sp>
+        <p:nvSpPr>
+          <p:cNvPr id="3" name="슬라이드 노트 개체 틀 2"/>
+          <p:cNvSpPr>
+            <a:spLocks noGrp="1"/>
+          </p:cNvSpPr>
+          <p:nvPr>
+            <p:ph type="body" idx="1"/>
+          </p:nvPr>
+        </p:nvSpPr>
+        <p:spPr/>
+        <p:txBody>
+          <a:bodyPr/>
+          <a:lstStyle/>
+          <a:p>
+            <a:r>
+              <a:rPr lang="ko-KR" altLang="en-US" dirty="0"/>
+              <a:t>먼저 저희가 구상한 개발 환경은 다음과 같음</a:t>
+            </a:r>
+            <a:endParaRPr lang="en-US" altLang="ko-KR" dirty="0"/>
+          </a:p>
+          <a:p>
+            <a:endParaRPr lang="ko-KR" altLang="en-US" dirty="0"/>
+          </a:p>
+        </p:txBody>
+      </p:sp>
+      <p:sp>
+        <p:nvSpPr>
+          <p:cNvPr id="4" name="슬라이드 번호 개체 틀 3"/>
+          <p:cNvSpPr>
+            <a:spLocks noGrp="1"/>
+          </p:cNvSpPr>
+          <p:nvPr>
+            <p:ph type="sldNum" sz="quarter" idx="5"/>
+          </p:nvPr>
+        </p:nvSpPr>
+        <p:spPr/>
+        <p:txBody>
+          <a:bodyPr/>
+          <a:lstStyle/>
+          <a:p>
+            <a:fld id="{1C1E4306-6A9D-4F8E-B9CF-2F1DBA327F17}" type="slidenum">
+              <a:rPr lang="ko-KR" altLang="en-US" smtClean="0"/>
+              <a:t>13</a:t>
+            </a:fld>
+            <a:endParaRPr lang="ko-KR" altLang="en-US"/>
+          </a:p>
+        </p:txBody>
+      </p:sp>
+    </p:spTree>
+    <p:extLst>
+      <p:ext uri="{BB962C8B-B14F-4D97-AF65-F5344CB8AC3E}">
+        <p14:creationId xmlns:p14="http://schemas.microsoft.com/office/powerpoint/2010/main" val="23732970"/>
+      </p:ext>
+    </p:extLst>
+  </p:cSld>
+  <p:clrMapOvr>
+    <a:masterClrMapping/>
+  </p:clrMapOvr>
+</p:notes>
+</file>
+
+<file path=ppt/notesSlides/notesSlide11.xml><?xml version="1.0" encoding="utf-8"?>
+<p:notes xmlns:a="http://schemas.openxmlformats.org/drawingml/2006/main" xmlns:r="http://schemas.openxmlformats.org/officeDocument/2006/relationships" xmlns:p="http://schemas.openxmlformats.org/presentationml/2006/main">
+  <p:cSld>
+    <p:spTree>
+      <p:nvGrpSpPr>
+        <p:cNvPr id="1" name=""/>
+        <p:cNvGrpSpPr/>
+        <p:nvPr/>
+      </p:nvGrpSpPr>
+      <p:grpSpPr>
+        <a:xfrm>
+          <a:off x="0" y="0"/>
+          <a:ext cx="0" cy="0"/>
+          <a:chOff x="0" y="0"/>
+          <a:chExt cx="0" cy="0"/>
+        </a:xfrm>
+      </p:grpSpPr>
+      <p:sp>
+        <p:nvSpPr>
+          <p:cNvPr id="2" name="슬라이드 이미지 개체 틀 1"/>
+          <p:cNvSpPr>
+            <a:spLocks noGrp="1" noRot="1" noChangeAspect="1"/>
+          </p:cNvSpPr>
+          <p:nvPr>
+            <p:ph type="sldImg"/>
+          </p:nvPr>
+        </p:nvSpPr>
+        <p:spPr/>
+      </p:sp>
+      <p:sp>
+        <p:nvSpPr>
+          <p:cNvPr id="3" name="슬라이드 노트 개체 틀 2"/>
+          <p:cNvSpPr>
+            <a:spLocks noGrp="1"/>
+          </p:cNvSpPr>
+          <p:nvPr>
+            <p:ph type="body" idx="1"/>
+          </p:nvPr>
+        </p:nvSpPr>
+        <p:spPr/>
+        <p:txBody>
+          <a:bodyPr/>
+          <a:lstStyle/>
+          <a:p>
+            <a:r>
+              <a:rPr lang="ko-KR" altLang="en-US" dirty="0"/>
+              <a:t>수행 계획</a:t>
+            </a:r>
+          </a:p>
+        </p:txBody>
+      </p:sp>
+      <p:sp>
+        <p:nvSpPr>
+          <p:cNvPr id="4" name="슬라이드 번호 개체 틀 3"/>
+          <p:cNvSpPr>
+            <a:spLocks noGrp="1"/>
+          </p:cNvSpPr>
+          <p:nvPr>
+            <p:ph type="sldNum" sz="quarter" idx="5"/>
+          </p:nvPr>
+        </p:nvSpPr>
+        <p:spPr/>
+        <p:txBody>
+          <a:bodyPr/>
+          <a:lstStyle/>
+          <a:p>
+            <a:fld id="{1C1E4306-6A9D-4F8E-B9CF-2F1DBA327F17}" type="slidenum">
+              <a:rPr lang="ko-KR" altLang="en-US" smtClean="0"/>
+              <a:t>14</a:t>
+            </a:fld>
+            <a:endParaRPr lang="ko-KR" altLang="en-US"/>
+          </a:p>
+        </p:txBody>
+      </p:sp>
+    </p:spTree>
+    <p:extLst>
+      <p:ext uri="{BB962C8B-B14F-4D97-AF65-F5344CB8AC3E}">
+        <p14:creationId xmlns:p14="http://schemas.microsoft.com/office/powerpoint/2010/main" val="1727693420"/>
+      </p:ext>
+    </p:extLst>
+  </p:cSld>
+  <p:clrMapOvr>
+    <a:masterClrMapping/>
+  </p:clrMapOvr>
+</p:notes>
+</file>
+
+<file path=ppt/notesSlides/notesSlide12.xml><?xml version="1.0" encoding="utf-8"?>
+<p:notes xmlns:a="http://schemas.openxmlformats.org/drawingml/2006/main" xmlns:r="http://schemas.openxmlformats.org/officeDocument/2006/relationships" xmlns:p="http://schemas.openxmlformats.org/presentationml/2006/main">
+  <p:cSld>
+    <p:spTree>
+      <p:nvGrpSpPr>
+        <p:cNvPr id="1" name=""/>
+        <p:cNvGrpSpPr/>
+        <p:nvPr/>
+      </p:nvGrpSpPr>
+      <p:grpSpPr>
+        <a:xfrm>
+          <a:off x="0" y="0"/>
+          <a:ext cx="0" cy="0"/>
+          <a:chOff x="0" y="0"/>
+          <a:chExt cx="0" cy="0"/>
+        </a:xfrm>
+      </p:grpSpPr>
+      <p:sp>
+        <p:nvSpPr>
+          <p:cNvPr id="2" name="슬라이드 이미지 개체 틀 1"/>
+          <p:cNvSpPr>
+            <a:spLocks noGrp="1" noRot="1" noChangeAspect="1"/>
+          </p:cNvSpPr>
+          <p:nvPr>
+            <p:ph type="sldImg"/>
+          </p:nvPr>
+        </p:nvSpPr>
+        <p:spPr/>
+      </p:sp>
+      <p:sp>
+        <p:nvSpPr>
+          <p:cNvPr id="3" name="슬라이드 노트 개체 틀 2"/>
+          <p:cNvSpPr>
+            <a:spLocks noGrp="1"/>
+          </p:cNvSpPr>
+          <p:nvPr>
+            <p:ph type="body" idx="1"/>
+          </p:nvPr>
+        </p:nvSpPr>
+        <p:spPr/>
+        <p:txBody>
+          <a:bodyPr/>
+          <a:lstStyle/>
+          <a:p>
+            <a:r>
+              <a:rPr lang="ko-KR" altLang="en-US" dirty="0"/>
+              <a:t>예상 주요과제는 다음과 같음</a:t>
+            </a:r>
+            <a:r>
+              <a:rPr lang="en-US" altLang="ko-KR" dirty="0"/>
+              <a:t>. </a:t>
+            </a:r>
+            <a:r>
+              <a:rPr lang="ko-KR" altLang="en-US" dirty="0"/>
+              <a:t>우선 가장 중요한 허위 데이터 분석</a:t>
+            </a:r>
+            <a:r>
+              <a:rPr lang="en-US" altLang="ko-KR" dirty="0"/>
+              <a:t>. </a:t>
+            </a:r>
+            <a:r>
+              <a:rPr lang="ko-KR" altLang="en-US" dirty="0"/>
+              <a:t>사람이 수행할 때는 과하게 별이 </a:t>
+            </a:r>
+            <a:r>
+              <a:rPr lang="ko-KR" altLang="en-US" dirty="0" err="1"/>
+              <a:t>많다던가</a:t>
+            </a:r>
+            <a:r>
+              <a:rPr lang="ko-KR" altLang="en-US" dirty="0"/>
+              <a:t> 가격이 과하게 싸게 </a:t>
+            </a:r>
+            <a:r>
+              <a:rPr lang="ko-KR" altLang="en-US" dirty="0" err="1"/>
+              <a:t>올라왔다던가</a:t>
+            </a:r>
+            <a:r>
+              <a:rPr lang="ko-KR" altLang="en-US" dirty="0"/>
+              <a:t> 하는 품목을 알아서 걸러내는데 해당 서비스는 그러지 못할 확률이 매우 높아요</a:t>
+            </a:r>
+            <a:r>
+              <a:rPr lang="en-US" altLang="ko-KR" dirty="0"/>
+              <a:t>. </a:t>
+            </a:r>
+            <a:r>
+              <a:rPr lang="ko-KR" altLang="en-US" dirty="0"/>
+              <a:t>이 과제가 저희가 생각한 가장 어려운 과제</a:t>
+            </a:r>
+            <a:r>
+              <a:rPr lang="en-US" altLang="ko-KR" dirty="0"/>
+              <a:t>. </a:t>
+            </a:r>
+            <a:r>
+              <a:rPr lang="ko-KR" altLang="en-US" dirty="0"/>
+              <a:t>이에 관련 알고리즘을 개발하거나 </a:t>
+            </a:r>
+            <a:r>
+              <a:rPr lang="en-US" altLang="ko-KR" dirty="0"/>
+              <a:t>AI</a:t>
+            </a:r>
+            <a:r>
+              <a:rPr lang="ko-KR" altLang="en-US" dirty="0"/>
+              <a:t>를 이용하여 허위 데이터를 거르는 작업을 최우선 해결 과제로 생각</a:t>
+            </a:r>
+            <a:r>
+              <a:rPr lang="en-US" altLang="ko-KR" dirty="0"/>
+              <a:t>.</a:t>
+            </a:r>
+          </a:p>
+          <a:p>
+            <a:endParaRPr lang="en-US" altLang="ko-KR" dirty="0"/>
+          </a:p>
+          <a:p>
+            <a:r>
+              <a:rPr lang="ko-KR" altLang="en-US" dirty="0" err="1"/>
+              <a:t>두번쨰는</a:t>
+            </a:r>
+            <a:r>
+              <a:rPr lang="ko-KR" altLang="en-US" dirty="0"/>
+              <a:t> </a:t>
+            </a:r>
+            <a:r>
+              <a:rPr lang="ko-KR" altLang="en-US" dirty="0" err="1"/>
+              <a:t>크롤링</a:t>
+            </a:r>
+            <a:r>
+              <a:rPr lang="ko-KR" altLang="en-US" dirty="0"/>
+              <a:t> 시 사이트에 따라 </a:t>
+            </a:r>
+            <a:r>
+              <a:rPr lang="ko-KR" altLang="en-US" dirty="0" err="1"/>
+              <a:t>크롤링이</a:t>
+            </a:r>
+            <a:r>
+              <a:rPr lang="ko-KR" altLang="en-US" dirty="0"/>
+              <a:t> 어려울 수 있음</a:t>
+            </a:r>
+            <a:r>
+              <a:rPr lang="en-US" altLang="ko-KR" dirty="0"/>
+              <a:t>. </a:t>
+            </a:r>
+            <a:r>
+              <a:rPr lang="ko-KR" altLang="en-US" dirty="0"/>
+              <a:t>이 때 </a:t>
+            </a:r>
+            <a:r>
+              <a:rPr lang="en-US" altLang="ko-KR" dirty="0"/>
+              <a:t>SELENIUM </a:t>
+            </a:r>
+            <a:r>
+              <a:rPr lang="ko-KR" altLang="en-US" dirty="0"/>
+              <a:t>타 도구를 이용해서 개발 작업 진행</a:t>
+            </a:r>
+            <a:r>
+              <a:rPr lang="en-US" altLang="ko-KR" dirty="0"/>
+              <a:t>. </a:t>
+            </a:r>
+          </a:p>
+          <a:p>
+            <a:endParaRPr lang="en-US" altLang="ko-KR" dirty="0"/>
+          </a:p>
+          <a:p>
+            <a:r>
+              <a:rPr lang="ko-KR" altLang="en-US" dirty="0"/>
+              <a:t>세번째는 사용자의 편의를 고려한 </a:t>
+            </a:r>
+            <a:r>
+              <a:rPr lang="en-US" altLang="ko-KR" dirty="0"/>
+              <a:t>UI </a:t>
+            </a:r>
+            <a:r>
+              <a:rPr lang="ko-KR" altLang="en-US" dirty="0"/>
+              <a:t>필요 관련 개발 도구 이용</a:t>
+            </a:r>
+          </a:p>
+        </p:txBody>
+      </p:sp>
+      <p:sp>
+        <p:nvSpPr>
+          <p:cNvPr id="4" name="슬라이드 번호 개체 틀 3"/>
+          <p:cNvSpPr>
+            <a:spLocks noGrp="1"/>
+          </p:cNvSpPr>
+          <p:nvPr>
+            <p:ph type="sldNum" sz="quarter" idx="5"/>
+          </p:nvPr>
+        </p:nvSpPr>
+        <p:spPr/>
+        <p:txBody>
+          <a:bodyPr/>
+          <a:lstStyle/>
+          <a:p>
+            <a:fld id="{1C1E4306-6A9D-4F8E-B9CF-2F1DBA327F17}" type="slidenum">
+              <a:rPr lang="ko-KR" altLang="en-US" smtClean="0"/>
+              <a:t>15</a:t>
+            </a:fld>
+            <a:endParaRPr lang="ko-KR" altLang="en-US"/>
+          </a:p>
+        </p:txBody>
+      </p:sp>
+    </p:spTree>
+    <p:extLst>
+      <p:ext uri="{BB962C8B-B14F-4D97-AF65-F5344CB8AC3E}">
+        <p14:creationId xmlns:p14="http://schemas.microsoft.com/office/powerpoint/2010/main" val="1195535301"/>
+      </p:ext>
+    </p:extLst>
+  </p:cSld>
+  <p:clrMapOvr>
+    <a:masterClrMapping/>
+  </p:clrMapOvr>
+</p:notes>
+</file>
+
+<file path=ppt/notesSlides/notesSlide2.xml><?xml version="1.0" encoding="utf-8"?>
+<p:notes xmlns:a="http://schemas.openxmlformats.org/drawingml/2006/main" xmlns:r="http://schemas.openxmlformats.org/officeDocument/2006/relationships" xmlns:p="http://schemas.openxmlformats.org/presentationml/2006/main">
+  <p:cSld>
+    <p:spTree>
+      <p:nvGrpSpPr>
+        <p:cNvPr id="1" name=""/>
+        <p:cNvGrpSpPr/>
+        <p:nvPr/>
+      </p:nvGrpSpPr>
+      <p:grpSpPr>
+        <a:xfrm>
+          <a:off x="0" y="0"/>
+          <a:ext cx="0" cy="0"/>
+          <a:chOff x="0" y="0"/>
+          <a:chExt cx="0" cy="0"/>
+        </a:xfrm>
+      </p:grpSpPr>
+      <p:sp>
+        <p:nvSpPr>
+          <p:cNvPr id="2" name="슬라이드 이미지 개체 틀 1"/>
+          <p:cNvSpPr>
+            <a:spLocks noGrp="1" noRot="1" noChangeAspect="1"/>
+          </p:cNvSpPr>
+          <p:nvPr>
+            <p:ph type="sldImg"/>
+          </p:nvPr>
+        </p:nvSpPr>
+        <p:spPr/>
+      </p:sp>
+      <p:sp>
+        <p:nvSpPr>
+          <p:cNvPr id="3" name="슬라이드 노트 개체 틀 2"/>
+          <p:cNvSpPr>
+            <a:spLocks noGrp="1"/>
+          </p:cNvSpPr>
+          <p:nvPr>
+            <p:ph type="body" idx="1"/>
+          </p:nvPr>
+        </p:nvSpPr>
+        <p:spPr/>
+        <p:txBody>
+          <a:bodyPr/>
+          <a:lstStyle/>
+          <a:p>
+            <a:pPr marL="228600" indent="-228600">
+              <a:buAutoNum type="arabicParenR"/>
+            </a:pPr>
+            <a:r>
+              <a:rPr lang="ko-KR" altLang="en-US" dirty="0"/>
+              <a:t>저희 프로젝트 주제의 프로세스 설명</a:t>
+            </a:r>
+            <a:endParaRPr lang="en-US" altLang="ko-KR" dirty="0"/>
+          </a:p>
+          <a:p>
+            <a:pPr marL="228600" indent="-228600">
+              <a:buAutoNum type="arabicParenR"/>
+            </a:pPr>
+            <a:r>
+              <a:rPr lang="ko-KR" altLang="en-US" dirty="0"/>
+              <a:t>관련정보 </a:t>
+            </a:r>
+            <a:r>
+              <a:rPr lang="ko-KR" altLang="en-US" dirty="0" err="1"/>
+              <a:t>크롤링</a:t>
+            </a:r>
+            <a:r>
+              <a:rPr lang="ko-KR" altLang="en-US" dirty="0"/>
+              <a:t> 통해 수집</a:t>
+            </a:r>
+            <a:endParaRPr lang="en-US" altLang="ko-KR" dirty="0"/>
+          </a:p>
+          <a:p>
+            <a:pPr marL="228600" indent="-228600">
+              <a:buAutoNum type="arabicParenR"/>
+            </a:pPr>
+            <a:r>
+              <a:rPr lang="ko-KR" altLang="en-US" dirty="0"/>
+              <a:t>데이터 정제</a:t>
+            </a:r>
+            <a:r>
+              <a:rPr lang="en-US" altLang="ko-KR" dirty="0"/>
+              <a:t>(</a:t>
+            </a:r>
+            <a:r>
+              <a:rPr lang="ko-KR" altLang="en-US" dirty="0"/>
+              <a:t>불필요 정보 제거</a:t>
+            </a:r>
+            <a:r>
+              <a:rPr lang="en-US" altLang="ko-KR" dirty="0"/>
+              <a:t>)</a:t>
+            </a:r>
+          </a:p>
+          <a:p>
+            <a:pPr marL="228600" indent="-228600">
+              <a:buAutoNum type="arabicParenR"/>
+            </a:pPr>
+            <a:r>
+              <a:rPr lang="ko-KR" altLang="en-US" dirty="0"/>
+              <a:t>결과 보고</a:t>
+            </a:r>
+            <a:r>
+              <a:rPr lang="en-US" altLang="ko-KR" dirty="0"/>
+              <a:t>(</a:t>
+            </a:r>
+            <a:r>
+              <a:rPr lang="ko-KR" altLang="en-US" dirty="0"/>
+              <a:t>메일 엑셀 파일</a:t>
+            </a:r>
+            <a:r>
+              <a:rPr lang="en-US" altLang="ko-KR" dirty="0"/>
+              <a:t>)</a:t>
+            </a:r>
+          </a:p>
+          <a:p>
+            <a:pPr marL="228600" indent="-228600">
+              <a:buAutoNum type="arabicParenR"/>
+            </a:pPr>
+            <a:r>
+              <a:rPr lang="ko-KR" altLang="en-US" dirty="0"/>
+              <a:t>정확히는 </a:t>
+            </a:r>
+            <a:r>
+              <a:rPr lang="en-US" altLang="ko-KR" dirty="0"/>
+              <a:t>checkmate RPA</a:t>
+            </a:r>
+          </a:p>
+        </p:txBody>
+      </p:sp>
+      <p:sp>
+        <p:nvSpPr>
+          <p:cNvPr id="4" name="슬라이드 번호 개체 틀 3"/>
+          <p:cNvSpPr>
+            <a:spLocks noGrp="1"/>
+          </p:cNvSpPr>
+          <p:nvPr>
+            <p:ph type="sldNum" sz="quarter" idx="5"/>
+          </p:nvPr>
+        </p:nvSpPr>
+        <p:spPr/>
+        <p:txBody>
+          <a:bodyPr/>
+          <a:lstStyle/>
+          <a:p>
+            <a:fld id="{1C1E4306-6A9D-4F8E-B9CF-2F1DBA327F17}" type="slidenum">
+              <a:rPr lang="ko-KR" altLang="en-US" smtClean="0"/>
+              <a:t>4</a:t>
+            </a:fld>
+            <a:endParaRPr lang="ko-KR" altLang="en-US"/>
+          </a:p>
+        </p:txBody>
+      </p:sp>
+    </p:spTree>
+    <p:extLst>
+      <p:ext uri="{BB962C8B-B14F-4D97-AF65-F5344CB8AC3E}">
+        <p14:creationId xmlns:p14="http://schemas.microsoft.com/office/powerpoint/2010/main" val="1039481477"/>
+      </p:ext>
+    </p:extLst>
+  </p:cSld>
+  <p:clrMapOvr>
+    <a:masterClrMapping/>
+  </p:clrMapOvr>
+</p:notes>
+</file>
+
+<file path=ppt/notesSlides/notesSlide3.xml><?xml version="1.0" encoding="utf-8"?>
+<p:notes xmlns:a="http://schemas.openxmlformats.org/drawingml/2006/main" xmlns:r="http://schemas.openxmlformats.org/officeDocument/2006/relationships" xmlns:p="http://schemas.openxmlformats.org/presentationml/2006/main">
+  <p:cSld>
+    <p:spTree>
+      <p:nvGrpSpPr>
+        <p:cNvPr id="1" name=""/>
+        <p:cNvGrpSpPr/>
+        <p:nvPr/>
+      </p:nvGrpSpPr>
+      <p:grpSpPr>
+        <a:xfrm>
+          <a:off x="0" y="0"/>
+          <a:ext cx="0" cy="0"/>
+          <a:chOff x="0" y="0"/>
+          <a:chExt cx="0" cy="0"/>
+        </a:xfrm>
+      </p:grpSpPr>
+      <p:sp>
+        <p:nvSpPr>
+          <p:cNvPr id="2" name="슬라이드 이미지 개체 틀 1"/>
+          <p:cNvSpPr>
+            <a:spLocks noGrp="1" noRot="1" noChangeAspect="1"/>
+          </p:cNvSpPr>
+          <p:nvPr>
+            <p:ph type="sldImg"/>
+          </p:nvPr>
+        </p:nvSpPr>
+        <p:spPr/>
+      </p:sp>
+      <p:sp>
+        <p:nvSpPr>
+          <p:cNvPr id="3" name="슬라이드 노트 개체 틀 2"/>
+          <p:cNvSpPr>
+            <a:spLocks noGrp="1"/>
+          </p:cNvSpPr>
+          <p:nvPr>
+            <p:ph type="body" idx="1"/>
+          </p:nvPr>
+        </p:nvSpPr>
+        <p:spPr/>
+        <p:txBody>
+          <a:bodyPr/>
+          <a:lstStyle/>
+          <a:p>
+            <a:pPr marL="228600" indent="-228600">
+              <a:buAutoNum type="arabicParenR"/>
+            </a:pPr>
+            <a:r>
+              <a:rPr lang="ko-KR" altLang="en-US" dirty="0"/>
+              <a:t>분명히 중고거래가 가격면에서 좋은 점이 있는데 꺼리는 사람이 많음</a:t>
+            </a:r>
+            <a:r>
+              <a:rPr lang="en-US" altLang="ko-KR" dirty="0"/>
+              <a:t>.</a:t>
+            </a:r>
+          </a:p>
+          <a:p>
+            <a:pPr marL="228600" indent="-228600">
+              <a:buAutoNum type="arabicParenR"/>
+            </a:pPr>
+            <a:r>
+              <a:rPr lang="ko-KR" altLang="en-US" dirty="0"/>
+              <a:t>신제품의 경우 잘 정리되어 포털에 검색한 결과가 나옴</a:t>
+            </a:r>
+            <a:endParaRPr lang="en-US" altLang="ko-KR" dirty="0"/>
+          </a:p>
+          <a:p>
+            <a:pPr marL="228600" indent="-228600">
+              <a:buAutoNum type="arabicParenR"/>
+            </a:pPr>
+            <a:r>
+              <a:rPr lang="ko-KR" altLang="en-US" dirty="0"/>
+              <a:t>반면 중고 제품의 경우 가격 정보를 얻으려면 이곳저곳 검색하면서 </a:t>
+            </a:r>
+            <a:r>
+              <a:rPr lang="ko-KR" altLang="en-US" dirty="0" err="1"/>
+              <a:t>뒤져야함</a:t>
+            </a:r>
+            <a:r>
+              <a:rPr lang="en-US" altLang="ko-KR" dirty="0"/>
+              <a:t>(</a:t>
+            </a:r>
+            <a:r>
+              <a:rPr lang="ko-KR" altLang="en-US" dirty="0"/>
+              <a:t>허위매물도 많음</a:t>
+            </a:r>
+            <a:r>
+              <a:rPr lang="en-US" altLang="ko-KR" dirty="0"/>
+              <a:t>) </a:t>
+            </a:r>
+            <a:r>
+              <a:rPr lang="ko-KR" altLang="en-US" dirty="0"/>
+              <a:t>기왕 사기로 했으면 </a:t>
+            </a:r>
+            <a:r>
+              <a:rPr lang="ko-KR" altLang="en-US" dirty="0" err="1"/>
+              <a:t>여러곳에서</a:t>
+            </a:r>
+            <a:r>
+              <a:rPr lang="ko-KR" altLang="en-US" dirty="0"/>
+              <a:t> 알아봐야</a:t>
+            </a:r>
+            <a:r>
+              <a:rPr lang="en-US" altLang="ko-KR" dirty="0"/>
+              <a:t>.. – </a:t>
+            </a:r>
+            <a:r>
+              <a:rPr lang="ko-KR" altLang="en-US" dirty="0"/>
+              <a:t>내 시간이 중고 가격차이보다 비싸다</a:t>
+            </a:r>
+            <a:r>
+              <a:rPr lang="en-US" altLang="ko-KR" dirty="0"/>
+              <a:t>.</a:t>
+            </a:r>
+            <a:endParaRPr lang="ko-KR" altLang="en-US" dirty="0"/>
+          </a:p>
+        </p:txBody>
+      </p:sp>
+      <p:sp>
+        <p:nvSpPr>
+          <p:cNvPr id="4" name="슬라이드 번호 개체 틀 3"/>
+          <p:cNvSpPr>
+            <a:spLocks noGrp="1"/>
+          </p:cNvSpPr>
+          <p:nvPr>
+            <p:ph type="sldNum" sz="quarter" idx="5"/>
+          </p:nvPr>
+        </p:nvSpPr>
+        <p:spPr/>
+        <p:txBody>
+          <a:bodyPr/>
+          <a:lstStyle/>
+          <a:p>
+            <a:fld id="{1C1E4306-6A9D-4F8E-B9CF-2F1DBA327F17}" type="slidenum">
+              <a:rPr lang="ko-KR" altLang="en-US" smtClean="0"/>
+              <a:t>6</a:t>
+            </a:fld>
+            <a:endParaRPr lang="ko-KR" altLang="en-US"/>
+          </a:p>
+        </p:txBody>
+      </p:sp>
+    </p:spTree>
+    <p:extLst>
+      <p:ext uri="{BB962C8B-B14F-4D97-AF65-F5344CB8AC3E}">
+        <p14:creationId xmlns:p14="http://schemas.microsoft.com/office/powerpoint/2010/main" val="1826944185"/>
+      </p:ext>
+    </p:extLst>
+  </p:cSld>
+  <p:clrMapOvr>
+    <a:masterClrMapping/>
+  </p:clrMapOvr>
+</p:notes>
+</file>
+
+<file path=ppt/notesSlides/notesSlide4.xml><?xml version="1.0" encoding="utf-8"?>
+<p:notes xmlns:a="http://schemas.openxmlformats.org/drawingml/2006/main" xmlns:r="http://schemas.openxmlformats.org/officeDocument/2006/relationships" xmlns:p="http://schemas.openxmlformats.org/presentationml/2006/main">
+  <p:cSld>
+    <p:spTree>
+      <p:nvGrpSpPr>
+        <p:cNvPr id="1" name=""/>
+        <p:cNvGrpSpPr/>
+        <p:nvPr/>
+      </p:nvGrpSpPr>
+      <p:grpSpPr>
+        <a:xfrm>
+          <a:off x="0" y="0"/>
+          <a:ext cx="0" cy="0"/>
+          <a:chOff x="0" y="0"/>
+          <a:chExt cx="0" cy="0"/>
+        </a:xfrm>
+      </p:grpSpPr>
+      <p:sp>
+        <p:nvSpPr>
+          <p:cNvPr id="2" name="슬라이드 이미지 개체 틀 1"/>
+          <p:cNvSpPr>
+            <a:spLocks noGrp="1" noRot="1" noChangeAspect="1"/>
+          </p:cNvSpPr>
+          <p:nvPr>
+            <p:ph type="sldImg"/>
+          </p:nvPr>
+        </p:nvSpPr>
+        <p:spPr/>
+      </p:sp>
+      <p:sp>
+        <p:nvSpPr>
+          <p:cNvPr id="3" name="슬라이드 노트 개체 틀 2"/>
+          <p:cNvSpPr>
+            <a:spLocks noGrp="1"/>
+          </p:cNvSpPr>
+          <p:nvPr>
+            <p:ph type="body" idx="1"/>
+          </p:nvPr>
+        </p:nvSpPr>
+        <p:spPr/>
+        <p:txBody>
+          <a:bodyPr/>
+          <a:lstStyle/>
+          <a:p>
+            <a:r>
+              <a:rPr lang="ko-KR" altLang="en-US" dirty="0"/>
+              <a:t>중고 거래 특징을 </a:t>
+            </a:r>
+            <a:r>
+              <a:rPr lang="ko-KR" altLang="en-US" dirty="0" err="1"/>
+              <a:t>정리해보았음</a:t>
+            </a:r>
+            <a:r>
+              <a:rPr lang="en-US" altLang="ko-KR" dirty="0"/>
+              <a:t>.</a:t>
+            </a:r>
+          </a:p>
+          <a:p>
+            <a:r>
+              <a:rPr lang="en-US" altLang="ko-KR" dirty="0"/>
+              <a:t>1) </a:t>
+            </a:r>
+            <a:r>
+              <a:rPr lang="ko-KR" altLang="en-US" dirty="0"/>
+              <a:t>가격 정보를 검색하기가 매우 어렵다</a:t>
+            </a:r>
+            <a:r>
+              <a:rPr lang="en-US" altLang="ko-KR" dirty="0"/>
+              <a:t>. </a:t>
+            </a:r>
+            <a:r>
+              <a:rPr lang="ko-KR" altLang="en-US" dirty="0"/>
+              <a:t>중고 거래의 특성상</a:t>
+            </a:r>
+            <a:r>
+              <a:rPr lang="en-US" altLang="ko-KR" dirty="0"/>
+              <a:t> </a:t>
+            </a:r>
+            <a:r>
+              <a:rPr lang="ko-KR" altLang="en-US" dirty="0"/>
+              <a:t>원하는 물건과 조건에 맞는 판매자를 찾아보기 위해 많은 매물을 검색해야 함</a:t>
+            </a:r>
+            <a:r>
+              <a:rPr lang="en-US" altLang="ko-KR" dirty="0"/>
+              <a:t>. </a:t>
+            </a:r>
+            <a:r>
+              <a:rPr lang="ko-KR" altLang="en-US" dirty="0"/>
+              <a:t>이를 수행할 자동화 프로세스의 필요성을 느낌</a:t>
+            </a:r>
+            <a:endParaRPr lang="en-US" altLang="ko-KR" dirty="0"/>
+          </a:p>
+          <a:p>
+            <a:r>
+              <a:rPr lang="en-US" altLang="ko-KR" dirty="0"/>
+              <a:t>2) </a:t>
+            </a:r>
+            <a:r>
+              <a:rPr lang="ko-KR" altLang="en-US" dirty="0"/>
+              <a:t>일반인이 사고 파는 물건인지라 급하게 처리하는 매우 싼 물건 등 거래 품목의 가격 변동이 매우 심함</a:t>
+            </a:r>
+            <a:r>
+              <a:rPr lang="en-US" altLang="ko-KR" dirty="0"/>
+              <a:t>. </a:t>
+            </a:r>
+            <a:r>
+              <a:rPr lang="ko-KR" altLang="en-US" dirty="0"/>
+              <a:t>이를 위해 주기적으로 데이터를 수집할 필요가 있음</a:t>
+            </a:r>
+            <a:endParaRPr lang="en-US" altLang="ko-KR" dirty="0"/>
+          </a:p>
+          <a:p>
+            <a:r>
+              <a:rPr lang="en-US" altLang="ko-KR" dirty="0"/>
+              <a:t>3) </a:t>
+            </a:r>
+            <a:r>
+              <a:rPr lang="ko-KR" altLang="en-US" dirty="0"/>
+              <a:t>경험해보신 분들도 많겠지만 허위 매물 등 사기의 위험 매우 높음</a:t>
+            </a:r>
+            <a:r>
+              <a:rPr lang="en-US" altLang="ko-KR" dirty="0"/>
+              <a:t>. </a:t>
+            </a:r>
+            <a:r>
+              <a:rPr lang="ko-KR" altLang="en-US" dirty="0"/>
+              <a:t>해당 부분을 해결하기 위한 검증 절차 필요</a:t>
+            </a:r>
+            <a:r>
+              <a:rPr lang="en-US" altLang="ko-KR" dirty="0"/>
+              <a:t>.</a:t>
+            </a:r>
+          </a:p>
+          <a:p>
+            <a:r>
+              <a:rPr lang="ko-KR" altLang="en-US" dirty="0" err="1"/>
+              <a:t>다시말하지만</a:t>
+            </a:r>
+            <a:r>
+              <a:rPr lang="ko-KR" altLang="en-US" dirty="0"/>
+              <a:t> 사람이 가능한 영역</a:t>
+            </a:r>
+            <a:r>
+              <a:rPr lang="en-US" altLang="ko-KR" dirty="0"/>
+              <a:t>. BUT </a:t>
+            </a:r>
+            <a:r>
+              <a:rPr lang="ko-KR" altLang="en-US" dirty="0"/>
+              <a:t>시간</a:t>
+            </a:r>
+            <a:r>
+              <a:rPr lang="en-US" altLang="ko-KR" dirty="0"/>
+              <a:t>!!!!</a:t>
+            </a:r>
+            <a:r>
+              <a:rPr lang="ko-KR" altLang="en-US" dirty="0"/>
+              <a:t> </a:t>
+            </a:r>
+          </a:p>
+        </p:txBody>
+      </p:sp>
+      <p:sp>
+        <p:nvSpPr>
+          <p:cNvPr id="4" name="슬라이드 번호 개체 틀 3"/>
+          <p:cNvSpPr>
+            <a:spLocks noGrp="1"/>
+          </p:cNvSpPr>
+          <p:nvPr>
+            <p:ph type="sldNum" sz="quarter" idx="5"/>
+          </p:nvPr>
+        </p:nvSpPr>
+        <p:spPr/>
+        <p:txBody>
+          <a:bodyPr/>
+          <a:lstStyle/>
+          <a:p>
+            <a:fld id="{1C1E4306-6A9D-4F8E-B9CF-2F1DBA327F17}" type="slidenum">
+              <a:rPr lang="ko-KR" altLang="en-US" smtClean="0"/>
+              <a:t>7</a:t>
+            </a:fld>
+            <a:endParaRPr lang="ko-KR" altLang="en-US"/>
+          </a:p>
+        </p:txBody>
+      </p:sp>
+    </p:spTree>
+    <p:extLst>
+      <p:ext uri="{BB962C8B-B14F-4D97-AF65-F5344CB8AC3E}">
+        <p14:creationId xmlns:p14="http://schemas.microsoft.com/office/powerpoint/2010/main" val="418495932"/>
+      </p:ext>
+    </p:extLst>
+  </p:cSld>
+  <p:clrMapOvr>
+    <a:masterClrMapping/>
+  </p:clrMapOvr>
+</p:notes>
+</file>
+
+<file path=ppt/notesSlides/notesSlide5.xml><?xml version="1.0" encoding="utf-8"?>
+<p:notes xmlns:a="http://schemas.openxmlformats.org/drawingml/2006/main" xmlns:r="http://schemas.openxmlformats.org/officeDocument/2006/relationships" xmlns:p="http://schemas.openxmlformats.org/presentationml/2006/main">
+  <p:cSld>
+    <p:spTree>
+      <p:nvGrpSpPr>
+        <p:cNvPr id="1" name=""/>
+        <p:cNvGrpSpPr/>
+        <p:nvPr/>
+      </p:nvGrpSpPr>
+      <p:grpSpPr>
+        <a:xfrm>
+          <a:off x="0" y="0"/>
+          <a:ext cx="0" cy="0"/>
+          <a:chOff x="0" y="0"/>
+          <a:chExt cx="0" cy="0"/>
+        </a:xfrm>
+      </p:grpSpPr>
+      <p:sp>
+        <p:nvSpPr>
+          <p:cNvPr id="2" name="슬라이드 이미지 개체 틀 1"/>
+          <p:cNvSpPr>
+            <a:spLocks noGrp="1" noRot="1" noChangeAspect="1"/>
+          </p:cNvSpPr>
+          <p:nvPr>
+            <p:ph type="sldImg"/>
+          </p:nvPr>
+        </p:nvSpPr>
+        <p:spPr/>
+      </p:sp>
+      <p:sp>
+        <p:nvSpPr>
+          <p:cNvPr id="3" name="슬라이드 노트 개체 틀 2"/>
+          <p:cNvSpPr>
+            <a:spLocks noGrp="1"/>
+          </p:cNvSpPr>
+          <p:nvPr>
+            <p:ph type="body" idx="1"/>
+          </p:nvPr>
+        </p:nvSpPr>
+        <p:spPr/>
+        <p:txBody>
+          <a:bodyPr/>
+          <a:lstStyle/>
+          <a:p>
+            <a:r>
+              <a:rPr lang="ko-KR" altLang="en-US" dirty="0"/>
+              <a:t>저러한 문제를 해결하기 위해 </a:t>
+            </a:r>
+            <a:r>
+              <a:rPr lang="en-US" altLang="ko-KR" dirty="0"/>
+              <a:t>RPA</a:t>
+            </a:r>
+            <a:r>
+              <a:rPr lang="ko-KR" altLang="en-US" dirty="0"/>
+              <a:t>의 도입이 시급하다고 했는데</a:t>
+            </a:r>
+            <a:r>
+              <a:rPr lang="en-US" altLang="ko-KR" dirty="0"/>
+              <a:t>,</a:t>
+            </a:r>
+          </a:p>
+          <a:p>
+            <a:r>
+              <a:rPr lang="ko-KR" altLang="en-US" dirty="0"/>
+              <a:t>여기서 </a:t>
+            </a:r>
+            <a:r>
+              <a:rPr lang="en-US" altLang="ko-KR" dirty="0"/>
+              <a:t>RPA</a:t>
+            </a:r>
+            <a:r>
+              <a:rPr lang="ko-KR" altLang="en-US" dirty="0"/>
+              <a:t>가 제공하는 기능</a:t>
+            </a:r>
+            <a:r>
+              <a:rPr lang="en-US" altLang="ko-KR" dirty="0"/>
+              <a:t>(</a:t>
+            </a:r>
+            <a:r>
+              <a:rPr lang="ko-KR" altLang="en-US" dirty="0"/>
+              <a:t>이번 기업사회 프로젝트의 과제</a:t>
+            </a:r>
+            <a:r>
+              <a:rPr lang="en-US" altLang="ko-KR" dirty="0"/>
+              <a:t>)</a:t>
+            </a:r>
+            <a:r>
+              <a:rPr lang="ko-KR" altLang="en-US" dirty="0"/>
+              <a:t>에 대해서 </a:t>
+            </a:r>
+            <a:r>
+              <a:rPr lang="ko-KR" altLang="en-US" dirty="0" err="1"/>
+              <a:t>생각해보았음</a:t>
+            </a:r>
+            <a:r>
+              <a:rPr lang="en-US" altLang="ko-KR" dirty="0"/>
+              <a:t>.</a:t>
+            </a:r>
+          </a:p>
+          <a:p>
+            <a:r>
+              <a:rPr lang="ko-KR" altLang="en-US" dirty="0"/>
+              <a:t>크게 세가지 분류 </a:t>
+            </a:r>
+            <a:r>
+              <a:rPr lang="en-US" altLang="ko-KR" dirty="0"/>
+              <a:t>1) </a:t>
+            </a:r>
+            <a:r>
+              <a:rPr lang="ko-KR" altLang="en-US" dirty="0"/>
+              <a:t>서비스 모니터링 </a:t>
+            </a:r>
+            <a:r>
+              <a:rPr lang="en-US" altLang="ko-KR" dirty="0"/>
+              <a:t>: </a:t>
+            </a:r>
+            <a:r>
+              <a:rPr lang="ko-KR" altLang="en-US" dirty="0"/>
+              <a:t>주기적으로 자동으로 서비스 모니터링을 하여 해당 서비스에 문제가 있는가</a:t>
+            </a:r>
+            <a:r>
+              <a:rPr lang="en-US" altLang="ko-KR" dirty="0"/>
+              <a:t>?</a:t>
+            </a:r>
+          </a:p>
+          <a:p>
+            <a:r>
+              <a:rPr lang="en-US" altLang="ko-KR" dirty="0"/>
+              <a:t>2) </a:t>
+            </a:r>
+            <a:r>
+              <a:rPr lang="ko-KR" altLang="en-US" dirty="0"/>
+              <a:t>데이터 </a:t>
+            </a:r>
+            <a:r>
+              <a:rPr lang="ko-KR" altLang="en-US" dirty="0" err="1"/>
+              <a:t>크롤링</a:t>
+            </a:r>
+            <a:r>
+              <a:rPr lang="ko-KR" altLang="en-US" dirty="0"/>
+              <a:t> </a:t>
+            </a:r>
+            <a:r>
+              <a:rPr lang="en-US" altLang="ko-KR" dirty="0"/>
+              <a:t>: </a:t>
+            </a:r>
+            <a:r>
+              <a:rPr lang="ko-KR" altLang="en-US" dirty="0"/>
+              <a:t>데이터 수집을 자동적으로 수행</a:t>
+            </a:r>
+            <a:endParaRPr lang="en-US" altLang="ko-KR" dirty="0"/>
+          </a:p>
+          <a:p>
+            <a:r>
+              <a:rPr lang="en-US" altLang="ko-KR" dirty="0"/>
+              <a:t>3) </a:t>
+            </a:r>
+            <a:r>
+              <a:rPr lang="ko-KR" altLang="en-US" dirty="0"/>
+              <a:t>데이터 정제 </a:t>
+            </a:r>
+            <a:r>
+              <a:rPr lang="en-US" altLang="ko-KR" dirty="0"/>
+              <a:t>: </a:t>
+            </a:r>
+            <a:r>
+              <a:rPr lang="ko-KR" altLang="en-US" dirty="0"/>
+              <a:t>수집한 데이터의 정제</a:t>
+            </a:r>
+            <a:r>
+              <a:rPr lang="en-US" altLang="ko-KR" dirty="0"/>
+              <a:t>(</a:t>
+            </a:r>
+            <a:r>
+              <a:rPr lang="ko-KR" altLang="en-US" dirty="0"/>
+              <a:t>엑셀 파일 등</a:t>
+            </a:r>
+            <a:r>
+              <a:rPr lang="en-US" altLang="ko-KR" dirty="0"/>
+              <a:t>) </a:t>
+            </a:r>
+            <a:r>
+              <a:rPr lang="ko-KR" altLang="en-US" dirty="0"/>
+              <a:t>작성하여 유저에게 제공</a:t>
+            </a:r>
+          </a:p>
+        </p:txBody>
+      </p:sp>
+      <p:sp>
+        <p:nvSpPr>
+          <p:cNvPr id="4" name="슬라이드 번호 개체 틀 3"/>
+          <p:cNvSpPr>
+            <a:spLocks noGrp="1"/>
+          </p:cNvSpPr>
+          <p:nvPr>
+            <p:ph type="sldNum" sz="quarter" idx="5"/>
+          </p:nvPr>
+        </p:nvSpPr>
+        <p:spPr/>
+        <p:txBody>
+          <a:bodyPr/>
+          <a:lstStyle/>
+          <a:p>
+            <a:fld id="{1C1E4306-6A9D-4F8E-B9CF-2F1DBA327F17}" type="slidenum">
+              <a:rPr lang="ko-KR" altLang="en-US" smtClean="0"/>
+              <a:t>8</a:t>
+            </a:fld>
+            <a:endParaRPr lang="ko-KR" altLang="en-US"/>
+          </a:p>
+        </p:txBody>
+      </p:sp>
+    </p:spTree>
+    <p:extLst>
+      <p:ext uri="{BB962C8B-B14F-4D97-AF65-F5344CB8AC3E}">
+        <p14:creationId xmlns:p14="http://schemas.microsoft.com/office/powerpoint/2010/main" val="1116644899"/>
+      </p:ext>
+    </p:extLst>
+  </p:cSld>
+  <p:clrMapOvr>
+    <a:masterClrMapping/>
+  </p:clrMapOvr>
+</p:notes>
+</file>
+
+<file path=ppt/notesSlides/notesSlide6.xml><?xml version="1.0" encoding="utf-8"?>
+<p:notes xmlns:a="http://schemas.openxmlformats.org/drawingml/2006/main" xmlns:r="http://schemas.openxmlformats.org/officeDocument/2006/relationships" xmlns:p="http://schemas.openxmlformats.org/presentationml/2006/main">
+  <p:cSld>
+    <p:spTree>
+      <p:nvGrpSpPr>
+        <p:cNvPr id="1" name=""/>
+        <p:cNvGrpSpPr/>
+        <p:nvPr/>
+      </p:nvGrpSpPr>
+      <p:grpSpPr>
+        <a:xfrm>
+          <a:off x="0" y="0"/>
+          <a:ext cx="0" cy="0"/>
+          <a:chOff x="0" y="0"/>
+          <a:chExt cx="0" cy="0"/>
+        </a:xfrm>
+      </p:grpSpPr>
+      <p:sp>
+        <p:nvSpPr>
+          <p:cNvPr id="2" name="슬라이드 이미지 개체 틀 1"/>
+          <p:cNvSpPr>
+            <a:spLocks noGrp="1" noRot="1" noChangeAspect="1"/>
+          </p:cNvSpPr>
+          <p:nvPr>
+            <p:ph type="sldImg"/>
+          </p:nvPr>
+        </p:nvSpPr>
+        <p:spPr/>
+      </p:sp>
+      <p:sp>
+        <p:nvSpPr>
+          <p:cNvPr id="3" name="슬라이드 노트 개체 틀 2"/>
+          <p:cNvSpPr>
+            <a:spLocks noGrp="1"/>
+          </p:cNvSpPr>
+          <p:nvPr>
+            <p:ph type="body" idx="1"/>
+          </p:nvPr>
+        </p:nvSpPr>
+        <p:spPr/>
+        <p:txBody>
+          <a:bodyPr/>
+          <a:lstStyle/>
+          <a:p>
+            <a:pPr marL="228600" indent="-228600">
+              <a:buAutoNum type="arabicParenR"/>
+            </a:pPr>
+            <a:r>
+              <a:rPr lang="ko-KR" altLang="en-US" dirty="0"/>
+              <a:t>이제 해당 </a:t>
+            </a:r>
+            <a:r>
+              <a:rPr lang="ko-KR" altLang="en-US" dirty="0" err="1"/>
+              <a:t>알피에이</a:t>
+            </a:r>
+            <a:r>
+              <a:rPr lang="en-US" altLang="ko-KR" dirty="0"/>
+              <a:t> </a:t>
+            </a:r>
+            <a:r>
+              <a:rPr lang="ko-KR" altLang="en-US" dirty="0"/>
+              <a:t>기능을 어떻게 주제에 적용시킬 것인가를 이야기</a:t>
+            </a:r>
+            <a:endParaRPr lang="en-US" altLang="ko-KR" dirty="0"/>
+          </a:p>
+          <a:p>
+            <a:pPr marL="228600" indent="-228600">
+              <a:buAutoNum type="arabicParenR"/>
+            </a:pPr>
+            <a:r>
+              <a:rPr lang="ko-KR" altLang="en-US" dirty="0" err="1"/>
+              <a:t>크롤링을</a:t>
+            </a:r>
+            <a:r>
+              <a:rPr lang="ko-KR" altLang="en-US" dirty="0"/>
+              <a:t> 수행하다 보니 웹사이트의 구조의 변화에 따라 </a:t>
+            </a:r>
+            <a:r>
+              <a:rPr lang="ko-KR" altLang="en-US" dirty="0" err="1"/>
+              <a:t>크롤링</a:t>
+            </a:r>
+            <a:r>
+              <a:rPr lang="ko-KR" altLang="en-US" dirty="0"/>
+              <a:t> 수행에 어려움이 있을 수 있음</a:t>
+            </a:r>
+            <a:endParaRPr lang="en-US" altLang="ko-KR" dirty="0"/>
+          </a:p>
+          <a:p>
+            <a:pPr marL="228600" indent="-228600">
+              <a:buAutoNum type="arabicParenR"/>
+            </a:pPr>
+            <a:r>
+              <a:rPr lang="ko-KR" altLang="en-US" dirty="0"/>
+              <a:t>따라서 </a:t>
+            </a:r>
+            <a:r>
+              <a:rPr lang="en-US" altLang="ko-KR" dirty="0"/>
+              <a:t>RPA</a:t>
+            </a:r>
+            <a:r>
+              <a:rPr lang="ko-KR" altLang="en-US" dirty="0"/>
+              <a:t>의 해당 기능을 활용하여 </a:t>
+            </a:r>
+            <a:r>
+              <a:rPr lang="ko-KR" altLang="en-US" dirty="0" err="1"/>
+              <a:t>크롤링을</a:t>
+            </a:r>
+            <a:r>
+              <a:rPr lang="ko-KR" altLang="en-US" dirty="0"/>
+              <a:t> 진행 하는 중고거래 사이트를 실시간 모니터링</a:t>
+            </a:r>
+            <a:endParaRPr lang="en-US" altLang="ko-KR" dirty="0"/>
+          </a:p>
+          <a:p>
+            <a:pPr marL="228600" indent="-228600">
+              <a:buAutoNum type="arabicParenR"/>
+            </a:pPr>
+            <a:r>
+              <a:rPr lang="ko-KR" altLang="en-US" dirty="0"/>
+              <a:t>이후 문제가 발견된다면 사용자에게 알려 즉각 조치 </a:t>
+            </a:r>
+            <a:r>
+              <a:rPr lang="ko-KR" altLang="en-US" dirty="0" err="1"/>
+              <a:t>할수</a:t>
+            </a:r>
+            <a:r>
+              <a:rPr lang="ko-KR" altLang="en-US" dirty="0"/>
+              <a:t> 있도록 개발</a:t>
+            </a:r>
+          </a:p>
+        </p:txBody>
+      </p:sp>
+      <p:sp>
+        <p:nvSpPr>
+          <p:cNvPr id="4" name="슬라이드 번호 개체 틀 3"/>
+          <p:cNvSpPr>
+            <a:spLocks noGrp="1"/>
+          </p:cNvSpPr>
+          <p:nvPr>
+            <p:ph type="sldNum" sz="quarter" idx="5"/>
+          </p:nvPr>
+        </p:nvSpPr>
+        <p:spPr/>
+        <p:txBody>
+          <a:bodyPr/>
+          <a:lstStyle/>
+          <a:p>
+            <a:fld id="{1C1E4306-6A9D-4F8E-B9CF-2F1DBA327F17}" type="slidenum">
+              <a:rPr lang="ko-KR" altLang="en-US" smtClean="0"/>
+              <a:t>9</a:t>
+            </a:fld>
+            <a:endParaRPr lang="ko-KR" altLang="en-US"/>
+          </a:p>
+        </p:txBody>
+      </p:sp>
+    </p:spTree>
+    <p:extLst>
+      <p:ext uri="{BB962C8B-B14F-4D97-AF65-F5344CB8AC3E}">
+        <p14:creationId xmlns:p14="http://schemas.microsoft.com/office/powerpoint/2010/main" val="1427303663"/>
+      </p:ext>
+    </p:extLst>
+  </p:cSld>
+  <p:clrMapOvr>
+    <a:masterClrMapping/>
+  </p:clrMapOvr>
+</p:notes>
+</file>
+
+<file path=ppt/notesSlides/notesSlide7.xml><?xml version="1.0" encoding="utf-8"?>
+<p:notes xmlns:a="http://schemas.openxmlformats.org/drawingml/2006/main" xmlns:r="http://schemas.openxmlformats.org/officeDocument/2006/relationships" xmlns:p="http://schemas.openxmlformats.org/presentationml/2006/main">
+  <p:cSld>
+    <p:spTree>
+      <p:nvGrpSpPr>
+        <p:cNvPr id="1" name=""/>
+        <p:cNvGrpSpPr/>
+        <p:nvPr/>
+      </p:nvGrpSpPr>
+      <p:grpSpPr>
+        <a:xfrm>
+          <a:off x="0" y="0"/>
+          <a:ext cx="0" cy="0"/>
+          <a:chOff x="0" y="0"/>
+          <a:chExt cx="0" cy="0"/>
+        </a:xfrm>
+      </p:grpSpPr>
+      <p:sp>
+        <p:nvSpPr>
+          <p:cNvPr id="2" name="슬라이드 이미지 개체 틀 1"/>
+          <p:cNvSpPr>
+            <a:spLocks noGrp="1" noRot="1" noChangeAspect="1"/>
+          </p:cNvSpPr>
+          <p:nvPr>
+            <p:ph type="sldImg"/>
+          </p:nvPr>
+        </p:nvSpPr>
+        <p:spPr/>
+      </p:sp>
+      <p:sp>
+        <p:nvSpPr>
+          <p:cNvPr id="3" name="슬라이드 노트 개체 틀 2"/>
+          <p:cNvSpPr>
+            <a:spLocks noGrp="1"/>
+          </p:cNvSpPr>
+          <p:nvPr>
+            <p:ph type="body" idx="1"/>
+          </p:nvPr>
+        </p:nvSpPr>
+        <p:spPr/>
+        <p:txBody>
+          <a:bodyPr/>
+          <a:lstStyle/>
+          <a:p>
+            <a:r>
+              <a:rPr lang="ko-KR" altLang="en-US" dirty="0"/>
+              <a:t>웹 데이터 </a:t>
+            </a:r>
+            <a:r>
+              <a:rPr lang="ko-KR" altLang="en-US" dirty="0" err="1"/>
+              <a:t>크롤링은</a:t>
+            </a:r>
+            <a:r>
+              <a:rPr lang="ko-KR" altLang="en-US" dirty="0"/>
+              <a:t> 생각하시는 그대로</a:t>
+            </a:r>
+            <a:endParaRPr lang="en-US" altLang="ko-KR" dirty="0"/>
+          </a:p>
+          <a:p>
+            <a:r>
+              <a:rPr lang="ko-KR" altLang="en-US" dirty="0"/>
+              <a:t>사용자가 설정한 키워드를 근거로 해당 중고 품목에 관한 데이터 수집 후 데이터베이스에 저장</a:t>
+            </a:r>
+            <a:r>
+              <a:rPr lang="en-US" altLang="ko-KR" dirty="0"/>
+              <a:t>. </a:t>
+            </a:r>
+            <a:r>
+              <a:rPr lang="ko-KR" altLang="en-US" dirty="0"/>
+              <a:t>이 때 수집하는 정보는 파싱 가능한 정보로 한정</a:t>
+            </a:r>
+            <a:endParaRPr lang="en-US" altLang="ko-KR" dirty="0"/>
+          </a:p>
+        </p:txBody>
+      </p:sp>
+      <p:sp>
+        <p:nvSpPr>
+          <p:cNvPr id="4" name="슬라이드 번호 개체 틀 3"/>
+          <p:cNvSpPr>
+            <a:spLocks noGrp="1"/>
+          </p:cNvSpPr>
+          <p:nvPr>
+            <p:ph type="sldNum" sz="quarter" idx="5"/>
+          </p:nvPr>
+        </p:nvSpPr>
+        <p:spPr/>
+        <p:txBody>
+          <a:bodyPr/>
+          <a:lstStyle/>
+          <a:p>
+            <a:fld id="{1C1E4306-6A9D-4F8E-B9CF-2F1DBA327F17}" type="slidenum">
+              <a:rPr lang="ko-KR" altLang="en-US" smtClean="0"/>
+              <a:t>10</a:t>
+            </a:fld>
+            <a:endParaRPr lang="ko-KR" altLang="en-US"/>
+          </a:p>
+        </p:txBody>
+      </p:sp>
+    </p:spTree>
+    <p:extLst>
+      <p:ext uri="{BB962C8B-B14F-4D97-AF65-F5344CB8AC3E}">
+        <p14:creationId xmlns:p14="http://schemas.microsoft.com/office/powerpoint/2010/main" val="312641066"/>
+      </p:ext>
+    </p:extLst>
+  </p:cSld>
+  <p:clrMapOvr>
+    <a:masterClrMapping/>
+  </p:clrMapOvr>
+</p:notes>
+</file>
+
+<file path=ppt/notesSlides/notesSlide8.xml><?xml version="1.0" encoding="utf-8"?>
+<p:notes xmlns:a="http://schemas.openxmlformats.org/drawingml/2006/main" xmlns:r="http://schemas.openxmlformats.org/officeDocument/2006/relationships" xmlns:p="http://schemas.openxmlformats.org/presentationml/2006/main">
+  <p:cSld>
+    <p:spTree>
+      <p:nvGrpSpPr>
+        <p:cNvPr id="1" name=""/>
+        <p:cNvGrpSpPr/>
+        <p:nvPr/>
+      </p:nvGrpSpPr>
+      <p:grpSpPr>
+        <a:xfrm>
+          <a:off x="0" y="0"/>
+          <a:ext cx="0" cy="0"/>
+          <a:chOff x="0" y="0"/>
+          <a:chExt cx="0" cy="0"/>
+        </a:xfrm>
+      </p:grpSpPr>
+      <p:sp>
+        <p:nvSpPr>
+          <p:cNvPr id="2" name="슬라이드 이미지 개체 틀 1"/>
+          <p:cNvSpPr>
+            <a:spLocks noGrp="1" noRot="1" noChangeAspect="1"/>
+          </p:cNvSpPr>
+          <p:nvPr>
+            <p:ph type="sldImg"/>
+          </p:nvPr>
+        </p:nvSpPr>
+        <p:spPr/>
+      </p:sp>
+      <p:sp>
+        <p:nvSpPr>
+          <p:cNvPr id="3" name="슬라이드 노트 개체 틀 2"/>
+          <p:cNvSpPr>
+            <a:spLocks noGrp="1"/>
+          </p:cNvSpPr>
+          <p:nvPr>
+            <p:ph type="body" idx="1"/>
+          </p:nvPr>
+        </p:nvSpPr>
+        <p:spPr/>
+        <p:txBody>
+          <a:bodyPr/>
+          <a:lstStyle/>
+          <a:p>
+            <a:r>
+              <a:rPr lang="ko-KR" altLang="en-US" dirty="0"/>
+              <a:t>이후 </a:t>
+            </a:r>
+            <a:r>
+              <a:rPr lang="en-US" altLang="ko-KR" dirty="0"/>
+              <a:t>RPA</a:t>
+            </a:r>
+            <a:r>
+              <a:rPr lang="ko-KR" altLang="en-US" dirty="0"/>
+              <a:t>의 데이터 정제 기능을 이용해 데이터베이스에 저장된 정보를 유저가 쉽게 알아볼 수 있게 엑셀이나 메일 등으로 제공</a:t>
+            </a:r>
+            <a:endParaRPr lang="en-US" altLang="ko-KR" dirty="0"/>
+          </a:p>
+        </p:txBody>
+      </p:sp>
+      <p:sp>
+        <p:nvSpPr>
+          <p:cNvPr id="4" name="슬라이드 번호 개체 틀 3"/>
+          <p:cNvSpPr>
+            <a:spLocks noGrp="1"/>
+          </p:cNvSpPr>
+          <p:nvPr>
+            <p:ph type="sldNum" sz="quarter" idx="5"/>
+          </p:nvPr>
+        </p:nvSpPr>
+        <p:spPr/>
+        <p:txBody>
+          <a:bodyPr/>
+          <a:lstStyle/>
+          <a:p>
+            <a:fld id="{1C1E4306-6A9D-4F8E-B9CF-2F1DBA327F17}" type="slidenum">
+              <a:rPr lang="ko-KR" altLang="en-US" smtClean="0"/>
+              <a:t>11</a:t>
+            </a:fld>
+            <a:endParaRPr lang="ko-KR" altLang="en-US"/>
+          </a:p>
+        </p:txBody>
+      </p:sp>
+    </p:spTree>
+    <p:extLst>
+      <p:ext uri="{BB962C8B-B14F-4D97-AF65-F5344CB8AC3E}">
+        <p14:creationId xmlns:p14="http://schemas.microsoft.com/office/powerpoint/2010/main" val="3330882760"/>
+      </p:ext>
+    </p:extLst>
+  </p:cSld>
+  <p:clrMapOvr>
+    <a:masterClrMapping/>
+  </p:clrMapOvr>
+</p:notes>
+</file>
+
+<file path=ppt/notesSlides/notesSlide9.xml><?xml version="1.0" encoding="utf-8"?>
+<p:notes xmlns:a="http://schemas.openxmlformats.org/drawingml/2006/main" xmlns:r="http://schemas.openxmlformats.org/officeDocument/2006/relationships" xmlns:p="http://schemas.openxmlformats.org/presentationml/2006/main">
+  <p:cSld>
+    <p:spTree>
+      <p:nvGrpSpPr>
+        <p:cNvPr id="1" name=""/>
+        <p:cNvGrpSpPr/>
+        <p:nvPr/>
+      </p:nvGrpSpPr>
+      <p:grpSpPr>
+        <a:xfrm>
+          <a:off x="0" y="0"/>
+          <a:ext cx="0" cy="0"/>
+          <a:chOff x="0" y="0"/>
+          <a:chExt cx="0" cy="0"/>
+        </a:xfrm>
+      </p:grpSpPr>
+      <p:sp>
+        <p:nvSpPr>
+          <p:cNvPr id="2" name="슬라이드 이미지 개체 틀 1"/>
+          <p:cNvSpPr>
+            <a:spLocks noGrp="1" noRot="1" noChangeAspect="1"/>
+          </p:cNvSpPr>
+          <p:nvPr>
+            <p:ph type="sldImg"/>
+          </p:nvPr>
+        </p:nvSpPr>
+        <p:spPr/>
+      </p:sp>
+      <p:sp>
+        <p:nvSpPr>
+          <p:cNvPr id="3" name="슬라이드 노트 개체 틀 2"/>
+          <p:cNvSpPr>
+            <a:spLocks noGrp="1"/>
+          </p:cNvSpPr>
+          <p:nvPr>
+            <p:ph type="body" idx="1"/>
+          </p:nvPr>
+        </p:nvSpPr>
+        <p:spPr/>
+        <p:txBody>
+          <a:bodyPr/>
+          <a:lstStyle/>
+          <a:p>
+            <a:r>
+              <a:rPr lang="ko-KR" altLang="en-US" dirty="0"/>
+              <a:t>수행 계획 및 예상 과제</a:t>
+            </a:r>
+          </a:p>
+        </p:txBody>
+      </p:sp>
+      <p:sp>
+        <p:nvSpPr>
+          <p:cNvPr id="4" name="슬라이드 번호 개체 틀 3"/>
+          <p:cNvSpPr>
+            <a:spLocks noGrp="1"/>
+          </p:cNvSpPr>
+          <p:nvPr>
+            <p:ph type="sldNum" sz="quarter" idx="5"/>
+          </p:nvPr>
+        </p:nvSpPr>
+        <p:spPr/>
+        <p:txBody>
+          <a:bodyPr/>
+          <a:lstStyle/>
+          <a:p>
+            <a:fld id="{1C1E4306-6A9D-4F8E-B9CF-2F1DBA327F17}" type="slidenum">
+              <a:rPr lang="ko-KR" altLang="en-US" smtClean="0"/>
+              <a:t>12</a:t>
+            </a:fld>
+            <a:endParaRPr lang="ko-KR" altLang="en-US"/>
+          </a:p>
+        </p:txBody>
+      </p:sp>
+    </p:spTree>
+    <p:extLst>
+      <p:ext uri="{BB962C8B-B14F-4D97-AF65-F5344CB8AC3E}">
+        <p14:creationId xmlns:p14="http://schemas.microsoft.com/office/powerpoint/2010/main" val="3885963916"/>
+      </p:ext>
+    </p:extLst>
+  </p:cSld>
+  <p:clrMapOvr>
+    <a:masterClrMapping/>
+  </p:clrMapOvr>
+</p:notes>
 </file>
 
 <file path=ppt/slideLayouts/slideLayout1.xml><?xml version="1.0" encoding="utf-8"?>
@@ -3762,7 +5439,7 @@
           <a:lstStyle/>
           <a:p>
             <a:pPr algn="ctr"/>
-            <a:endParaRPr kumimoji="1" lang="ja-JP" altLang="en-US"/>
+            <a:endParaRPr kumimoji="1" lang="ja-JP" altLang="en-US" dirty="0"/>
           </a:p>
         </p:txBody>
       </p:sp>
@@ -4307,8 +5984,8 @@
         </p:nvSpPr>
         <p:spPr>
           <a:xfrm>
-            <a:off x="8928484" y="4201620"/>
-            <a:ext cx="1441420" cy="400110"/>
+            <a:off x="8380193" y="4201620"/>
+            <a:ext cx="1989711" cy="1877437"/>
           </a:xfrm>
           <a:prstGeom prst="rect">
             <a:avLst/>
@@ -4323,14 +6000,121 @@
           <a:p>
             <a:pPr algn="r"/>
             <a:r>
-              <a:rPr kumimoji="1" lang="ko-KR" altLang="en-US" sz="2000" spc="-150" dirty="0">
+              <a:rPr kumimoji="1" lang="en-US" altLang="ko-KR" sz="2000" spc="-150" dirty="0">
                 <a:solidFill>
                   <a:schemeClr val="bg1"/>
                 </a:solidFill>
                 <a:latin typeface="+mn-ea"/>
               </a:rPr>
-              <a:t>양화대교 팀</a:t>
-            </a:r>
+              <a:t>TEAM </a:t>
+            </a:r>
+            <a:r>
+              <a:rPr kumimoji="1" lang="ko-KR" altLang="en-US" sz="2000" spc="-150" dirty="0">
+                <a:solidFill>
+                  <a:schemeClr val="bg1"/>
+                </a:solidFill>
+                <a:latin typeface="+mn-ea"/>
+              </a:rPr>
+              <a:t>양화대교 </a:t>
+            </a:r>
+            <a:endParaRPr kumimoji="1" lang="en-US" altLang="ko-KR" sz="2000" spc="-150" dirty="0">
+              <a:solidFill>
+                <a:schemeClr val="bg1"/>
+              </a:solidFill>
+              <a:latin typeface="+mn-ea"/>
+            </a:endParaRPr>
+          </a:p>
+          <a:p>
+            <a:pPr algn="r"/>
+            <a:endParaRPr kumimoji="1" lang="en-US" altLang="ko-KR" sz="2000" spc="-150" dirty="0">
+              <a:solidFill>
+                <a:schemeClr val="bg1"/>
+              </a:solidFill>
+              <a:latin typeface="+mn-ea"/>
+            </a:endParaRPr>
+          </a:p>
+          <a:p>
+            <a:pPr algn="ctr"/>
+            <a:r>
+              <a:rPr kumimoji="1" lang="ko-KR" altLang="en-US" sz="1400" dirty="0">
+                <a:solidFill>
+                  <a:schemeClr val="bg1"/>
+                </a:solidFill>
+              </a:rPr>
+              <a:t>컴퓨터공학과 이정환</a:t>
+            </a:r>
+            <a:endParaRPr kumimoji="1" lang="en-US" altLang="ko-KR" sz="1400" dirty="0">
+              <a:solidFill>
+                <a:schemeClr val="bg1"/>
+              </a:solidFill>
+            </a:endParaRPr>
+          </a:p>
+          <a:p>
+            <a:pPr algn="ctr"/>
+            <a:r>
+              <a:rPr kumimoji="1" lang="ko-KR" altLang="en-US" sz="1400" dirty="0">
+                <a:solidFill>
+                  <a:schemeClr val="bg1"/>
+                </a:solidFill>
+              </a:rPr>
+              <a:t>컴퓨터공학과 박태수</a:t>
+            </a:r>
+            <a:endParaRPr kumimoji="1" lang="en-US" altLang="ko-KR" sz="1400" dirty="0">
+              <a:solidFill>
+                <a:schemeClr val="bg1"/>
+              </a:solidFill>
+            </a:endParaRPr>
+          </a:p>
+          <a:p>
+            <a:pPr algn="ctr"/>
+            <a:r>
+              <a:rPr kumimoji="1" lang="ko-KR" altLang="en-US" sz="1400" dirty="0">
+                <a:solidFill>
+                  <a:schemeClr val="bg1"/>
+                </a:solidFill>
+              </a:rPr>
+              <a:t>컴퓨터공학과 </a:t>
+            </a:r>
+            <a:r>
+              <a:rPr kumimoji="1" lang="ko-KR" altLang="en-US" sz="1400" dirty="0" err="1">
+                <a:solidFill>
+                  <a:schemeClr val="bg1"/>
+                </a:solidFill>
+              </a:rPr>
+              <a:t>박규빈</a:t>
+            </a:r>
+            <a:endParaRPr kumimoji="1" lang="en-US" altLang="ko-KR" sz="1400" dirty="0">
+              <a:solidFill>
+                <a:schemeClr val="bg1"/>
+              </a:solidFill>
+            </a:endParaRPr>
+          </a:p>
+          <a:p>
+            <a:pPr algn="ctr"/>
+            <a:r>
+              <a:rPr kumimoji="1" lang="ko-KR" altLang="en-US" sz="1400" dirty="0">
+                <a:solidFill>
+                  <a:schemeClr val="bg1"/>
+                </a:solidFill>
+              </a:rPr>
+              <a:t>컴퓨터공학과 </a:t>
+            </a:r>
+            <a:r>
+              <a:rPr kumimoji="1" lang="ko-KR" altLang="en-US" sz="1400" dirty="0" err="1">
+                <a:solidFill>
+                  <a:schemeClr val="bg1"/>
+                </a:solidFill>
+              </a:rPr>
+              <a:t>양진나</a:t>
+            </a:r>
+            <a:endParaRPr kumimoji="1" lang="ja-JP" altLang="en-US" sz="1400" dirty="0">
+              <a:solidFill>
+                <a:schemeClr val="bg1"/>
+              </a:solidFill>
+            </a:endParaRPr>
+          </a:p>
+          <a:p>
+            <a:pPr algn="r"/>
             <a:endParaRPr kumimoji="1" lang="ja-JP" altLang="en-US" sz="2000" spc="-150" dirty="0">
               <a:solidFill>
                 <a:schemeClr val="bg1"/>
@@ -4354,6 +6138,713 @@
 </file>
 
 <file path=ppt/slides/slide10.xml><?xml version="1.0" encoding="utf-8"?>
+<p:sld xmlns:a="http://schemas.openxmlformats.org/drawingml/2006/main" xmlns:r="http://schemas.openxmlformats.org/officeDocument/2006/relationships" xmlns:p="http://schemas.openxmlformats.org/presentationml/2006/main">
+  <p:cSld>
+    <p:spTree>
+      <p:nvGrpSpPr>
+        <p:cNvPr id="1" name=""/>
+        <p:cNvGrpSpPr/>
+        <p:nvPr/>
+      </p:nvGrpSpPr>
+      <p:grpSpPr>
+        <a:xfrm>
+          <a:off x="0" y="0"/>
+          <a:ext cx="0" cy="0"/>
+          <a:chOff x="0" y="0"/>
+          <a:chExt cx="0" cy="0"/>
+        </a:xfrm>
+      </p:grpSpPr>
+      <p:sp>
+        <p:nvSpPr>
+          <p:cNvPr id="5" name="正方形/長方形 4"/>
+          <p:cNvSpPr/>
+          <p:nvPr/>
+        </p:nvSpPr>
+        <p:spPr>
+          <a:xfrm>
+            <a:off x="0" y="0"/>
+            <a:ext cx="12192000" cy="1616765"/>
+          </a:xfrm>
+          <a:prstGeom prst="rect">
+            <a:avLst/>
+          </a:prstGeom>
+          <a:solidFill>
+            <a:srgbClr val="22578B"/>
+          </a:solidFill>
+          <a:ln>
+            <a:noFill/>
+          </a:ln>
+        </p:spPr>
+        <p:style>
+          <a:lnRef idx="2">
+            <a:schemeClr val="accent1">
+              <a:shade val="50000"/>
+            </a:schemeClr>
+          </a:lnRef>
+          <a:fillRef idx="1">
+            <a:schemeClr val="accent1"/>
+          </a:fillRef>
+          <a:effectRef idx="0">
+            <a:schemeClr val="accent1"/>
+          </a:effectRef>
+          <a:fontRef idx="minor">
+            <a:schemeClr val="lt1"/>
+          </a:fontRef>
+        </p:style>
+        <p:txBody>
+          <a:bodyPr rtlCol="0" anchor="ctr"/>
+          <a:lstStyle/>
+          <a:p>
+            <a:pPr algn="ctr"/>
+            <a:endParaRPr kumimoji="1" lang="ja-JP" altLang="en-US"/>
+          </a:p>
+        </p:txBody>
+      </p:sp>
+      <p:grpSp>
+        <p:nvGrpSpPr>
+          <p:cNvPr id="2" name="グループ化 1"/>
+          <p:cNvGrpSpPr/>
+          <p:nvPr/>
+        </p:nvGrpSpPr>
+        <p:grpSpPr>
+          <a:xfrm>
+            <a:off x="282270" y="316503"/>
+            <a:ext cx="2110410" cy="929201"/>
+            <a:chOff x="556590" y="1460994"/>
+            <a:chExt cx="2110410" cy="1134834"/>
+          </a:xfrm>
+        </p:grpSpPr>
+        <p:sp>
+          <p:nvSpPr>
+            <p:cNvPr id="3" name="ホームベース 2"/>
+            <p:cNvSpPr/>
+            <p:nvPr/>
+          </p:nvSpPr>
+          <p:spPr>
+            <a:xfrm>
+              <a:off x="556590" y="1460994"/>
+              <a:ext cx="2110410" cy="1134834"/>
+            </a:xfrm>
+            <a:prstGeom prst="homePlate">
+              <a:avLst/>
+            </a:prstGeom>
+            <a:solidFill>
+              <a:schemeClr val="bg1"/>
+            </a:solidFill>
+            <a:ln w="76200">
+              <a:solidFill>
+                <a:srgbClr val="1F3359"/>
+              </a:solidFill>
+            </a:ln>
+          </p:spPr>
+          <p:style>
+            <a:lnRef idx="2">
+              <a:schemeClr val="accent1">
+                <a:shade val="50000"/>
+              </a:schemeClr>
+            </a:lnRef>
+            <a:fillRef idx="1">
+              <a:schemeClr val="accent1"/>
+            </a:fillRef>
+            <a:effectRef idx="0">
+              <a:schemeClr val="accent1"/>
+            </a:effectRef>
+            <a:fontRef idx="minor">
+              <a:schemeClr val="lt1"/>
+            </a:fontRef>
+          </p:style>
+          <p:txBody>
+            <a:bodyPr rtlCol="0" anchor="ctr"/>
+            <a:lstStyle/>
+            <a:p>
+              <a:pPr algn="ctr"/>
+              <a:endParaRPr kumimoji="1" lang="ja-JP" altLang="en-US"/>
+            </a:p>
+          </p:txBody>
+        </p:sp>
+        <p:sp>
+          <p:nvSpPr>
+            <p:cNvPr id="4" name="テキスト ボックス 3"/>
+            <p:cNvSpPr txBox="1"/>
+            <p:nvPr/>
+          </p:nvSpPr>
+          <p:spPr>
+            <a:xfrm>
+              <a:off x="795130" y="1606538"/>
+              <a:ext cx="1467068" cy="789365"/>
+            </a:xfrm>
+            <a:prstGeom prst="rect">
+              <a:avLst/>
+            </a:prstGeom>
+            <a:noFill/>
+          </p:spPr>
+          <p:txBody>
+            <a:bodyPr wrap="none" rtlCol="0">
+              <a:spAutoFit/>
+            </a:bodyPr>
+            <a:lstStyle/>
+            <a:p>
+              <a:r>
+                <a:rPr kumimoji="1" lang="en-US" altLang="ko-KR" sz="3600" b="1" dirty="0">
+                  <a:solidFill>
+                    <a:srgbClr val="1F3359"/>
+                  </a:solidFill>
+                </a:rPr>
+                <a:t>Part 2</a:t>
+              </a:r>
+              <a:endParaRPr kumimoji="1" lang="ja-JP" altLang="en-US" sz="3600" b="1" dirty="0">
+                <a:solidFill>
+                  <a:srgbClr val="1F3359"/>
+                </a:solidFill>
+              </a:endParaRPr>
+            </a:p>
+          </p:txBody>
+        </p:sp>
+      </p:grpSp>
+      <p:sp>
+        <p:nvSpPr>
+          <p:cNvPr id="6" name="テキスト ボックス 5"/>
+          <p:cNvSpPr txBox="1"/>
+          <p:nvPr/>
+        </p:nvSpPr>
+        <p:spPr>
+          <a:xfrm>
+            <a:off x="2631220" y="316503"/>
+            <a:ext cx="9109994" cy="923330"/>
+          </a:xfrm>
+          <a:prstGeom prst="rect">
+            <a:avLst/>
+          </a:prstGeom>
+          <a:noFill/>
+        </p:spPr>
+        <p:txBody>
+          <a:bodyPr wrap="none" rtlCol="0">
+            <a:spAutoFit/>
+          </a:bodyPr>
+          <a:lstStyle/>
+          <a:p>
+            <a:r>
+              <a:rPr kumimoji="1" lang="ko-KR" altLang="en-US" sz="5400" b="1" spc="-300" dirty="0">
+                <a:solidFill>
+                  <a:schemeClr val="bg1"/>
+                </a:solidFill>
+              </a:rPr>
+              <a:t>주제 선정 배경 </a:t>
+            </a:r>
+            <a:r>
+              <a:rPr kumimoji="1" lang="en-US" altLang="ko-KR" sz="5400" b="1" spc="-300" dirty="0">
+                <a:solidFill>
+                  <a:schemeClr val="bg1"/>
+                </a:solidFill>
+              </a:rPr>
+              <a:t>– RPA</a:t>
+            </a:r>
+            <a:r>
+              <a:rPr kumimoji="1" lang="ko-KR" altLang="en-US" sz="5400" b="1" spc="-300" dirty="0">
+                <a:solidFill>
+                  <a:schemeClr val="bg1"/>
+                </a:solidFill>
+              </a:rPr>
+              <a:t> 프로세스</a:t>
+            </a:r>
+            <a:endParaRPr kumimoji="1" lang="ja-JP" altLang="en-US" sz="5400" b="1" spc="-300" dirty="0">
+              <a:solidFill>
+                <a:schemeClr val="bg1"/>
+              </a:solidFill>
+            </a:endParaRPr>
+          </a:p>
+        </p:txBody>
+      </p:sp>
+      <p:grpSp>
+        <p:nvGrpSpPr>
+          <p:cNvPr id="32" name="그룹 31">
+            <a:extLst>
+              <a:ext uri="{FF2B5EF4-FFF2-40B4-BE49-F238E27FC236}">
+                <a16:creationId xmlns:a16="http://schemas.microsoft.com/office/drawing/2014/main" id="{72A7B0E0-0CF1-43EF-8268-2C5E6775D168}"/>
+              </a:ext>
+            </a:extLst>
+          </p:cNvPr>
+          <p:cNvGrpSpPr/>
+          <p:nvPr/>
+        </p:nvGrpSpPr>
+        <p:grpSpPr>
+          <a:xfrm>
+            <a:off x="723543" y="5576384"/>
+            <a:ext cx="2508637" cy="676665"/>
+            <a:chOff x="723543" y="5827240"/>
+            <a:chExt cx="2508637" cy="676665"/>
+          </a:xfrm>
+        </p:grpSpPr>
+        <p:sp>
+          <p:nvSpPr>
+            <p:cNvPr id="33" name="テキスト ボックス 11">
+              <a:extLst>
+                <a:ext uri="{FF2B5EF4-FFF2-40B4-BE49-F238E27FC236}">
+                  <a16:creationId xmlns:a16="http://schemas.microsoft.com/office/drawing/2014/main" id="{F00A55CF-75B1-4213-96ED-B05B9DD4E650}"/>
+                </a:ext>
+              </a:extLst>
+            </p:cNvPr>
+            <p:cNvSpPr txBox="1"/>
+            <p:nvPr/>
+          </p:nvSpPr>
+          <p:spPr>
+            <a:xfrm>
+              <a:off x="917318" y="5827240"/>
+              <a:ext cx="2121093" cy="400110"/>
+            </a:xfrm>
+            <a:prstGeom prst="rect">
+              <a:avLst/>
+            </a:prstGeom>
+            <a:noFill/>
+          </p:spPr>
+          <p:txBody>
+            <a:bodyPr wrap="none" rtlCol="0">
+              <a:spAutoFit/>
+            </a:bodyPr>
+            <a:lstStyle/>
+            <a:p>
+              <a:pPr algn="ctr"/>
+              <a:r>
+                <a:rPr kumimoji="1" lang="ko-KR" altLang="en-US" sz="2000" b="1" dirty="0"/>
+                <a:t>웹 데이터 </a:t>
+              </a:r>
+              <a:r>
+                <a:rPr kumimoji="1" lang="ko-KR" altLang="en-US" sz="2000" b="1" dirty="0" err="1"/>
+                <a:t>크롤링</a:t>
+              </a:r>
+              <a:endParaRPr kumimoji="1" lang="ja-JP" altLang="en-US" sz="2000" b="1" dirty="0"/>
+            </a:p>
+          </p:txBody>
+        </p:sp>
+        <p:sp>
+          <p:nvSpPr>
+            <p:cNvPr id="34" name="テキスト ボックス 12">
+              <a:extLst>
+                <a:ext uri="{FF2B5EF4-FFF2-40B4-BE49-F238E27FC236}">
+                  <a16:creationId xmlns:a16="http://schemas.microsoft.com/office/drawing/2014/main" id="{27756361-4FE8-42C0-970F-9179024F7418}"/>
+                </a:ext>
+              </a:extLst>
+            </p:cNvPr>
+            <p:cNvSpPr txBox="1"/>
+            <p:nvPr/>
+          </p:nvSpPr>
+          <p:spPr>
+            <a:xfrm>
+              <a:off x="723543" y="6242295"/>
+              <a:ext cx="2508637" cy="261610"/>
+            </a:xfrm>
+            <a:prstGeom prst="rect">
+              <a:avLst/>
+            </a:prstGeom>
+            <a:noFill/>
+          </p:spPr>
+          <p:txBody>
+            <a:bodyPr wrap="square" rtlCol="0">
+              <a:spAutoFit/>
+            </a:bodyPr>
+            <a:lstStyle/>
+            <a:p>
+              <a:pPr algn="ctr"/>
+              <a:r>
+                <a:rPr lang="ko-KR" altLang="en-US" sz="1100" dirty="0"/>
+                <a:t>키워드 검색 기반 데이터 수집</a:t>
+              </a:r>
+              <a:endParaRPr kumimoji="1" lang="ja-JP" altLang="en-US" sz="1100" dirty="0"/>
+            </a:p>
+          </p:txBody>
+        </p:sp>
+      </p:grpSp>
+      <p:pic>
+        <p:nvPicPr>
+          <p:cNvPr id="13" name="그림 12">
+            <a:extLst>
+              <a:ext uri="{FF2B5EF4-FFF2-40B4-BE49-F238E27FC236}">
+                <a16:creationId xmlns:a16="http://schemas.microsoft.com/office/drawing/2014/main" id="{37A34470-28B7-4022-A283-B79115AAAD6C}"/>
+              </a:ext>
+            </a:extLst>
+          </p:cNvPr>
+          <p:cNvPicPr>
+            <a:picLocks noChangeAspect="1"/>
+          </p:cNvPicPr>
+          <p:nvPr/>
+        </p:nvPicPr>
+        <p:blipFill>
+          <a:blip r:embed="rId3">
+            <a:extLst>
+              <a:ext uri="{28A0092B-C50C-407E-A947-70E740481C1C}">
+                <a14:useLocalDpi xmlns:a14="http://schemas.microsoft.com/office/drawing/2010/main" val="0"/>
+              </a:ext>
+              <a:ext uri="{837473B0-CC2E-450A-ABE3-18F120FF3D39}">
+                <a1611:picAttrSrcUrl xmlns:a1611="http://schemas.microsoft.com/office/drawing/2016/11/main" r:id="rId4"/>
+              </a:ext>
+            </a:extLst>
+          </a:blip>
+          <a:stretch>
+            <a:fillRect/>
+          </a:stretch>
+        </p:blipFill>
+        <p:spPr>
+          <a:xfrm>
+            <a:off x="864403" y="2640246"/>
+            <a:ext cx="2138744" cy="2121068"/>
+          </a:xfrm>
+          <a:prstGeom prst="rect">
+            <a:avLst/>
+          </a:prstGeom>
+        </p:spPr>
+      </p:pic>
+      <p:sp>
+        <p:nvSpPr>
+          <p:cNvPr id="22" name="직사각형 21">
+            <a:extLst>
+              <a:ext uri="{FF2B5EF4-FFF2-40B4-BE49-F238E27FC236}">
+                <a16:creationId xmlns:a16="http://schemas.microsoft.com/office/drawing/2014/main" id="{55003C16-8C45-4737-ADDB-24FA5CE02F62}"/>
+              </a:ext>
+            </a:extLst>
+          </p:cNvPr>
+          <p:cNvSpPr/>
+          <p:nvPr/>
+        </p:nvSpPr>
+        <p:spPr>
+          <a:xfrm>
+            <a:off x="4565190" y="2402296"/>
+            <a:ext cx="6753138" cy="1194278"/>
+          </a:xfrm>
+          <a:prstGeom prst="rect">
+            <a:avLst/>
+          </a:prstGeom>
+        </p:spPr>
+        <p:style>
+          <a:lnRef idx="2">
+            <a:schemeClr val="accent4">
+              <a:shade val="50000"/>
+            </a:schemeClr>
+          </a:lnRef>
+          <a:fillRef idx="1">
+            <a:schemeClr val="accent4"/>
+          </a:fillRef>
+          <a:effectRef idx="0">
+            <a:schemeClr val="accent4"/>
+          </a:effectRef>
+          <a:fontRef idx="minor">
+            <a:schemeClr val="lt1"/>
+          </a:fontRef>
+        </p:style>
+        <p:txBody>
+          <a:bodyPr rtlCol="0" anchor="ctr"/>
+          <a:lstStyle/>
+          <a:p>
+            <a:pPr algn="ctr"/>
+            <a:r>
+              <a:rPr lang="ko-KR" altLang="en-US" b="1" dirty="0"/>
+              <a:t>중고 거래 사이트 </a:t>
+            </a:r>
+            <a:r>
+              <a:rPr lang="ko-KR" altLang="en-US" b="1" dirty="0" err="1"/>
+              <a:t>크롤링</a:t>
+            </a:r>
+            <a:endParaRPr lang="en-US" altLang="ko-KR" b="1" dirty="0"/>
+          </a:p>
+          <a:p>
+            <a:pPr algn="ctr"/>
+            <a:r>
+              <a:rPr lang="en-US" altLang="ko-KR" b="1" dirty="0"/>
+              <a:t>(</a:t>
+            </a:r>
+            <a:r>
+              <a:rPr lang="ko-KR" altLang="en-US" b="1" dirty="0"/>
+              <a:t>웹 주소</a:t>
+            </a:r>
+            <a:r>
+              <a:rPr lang="en-US" altLang="ko-KR" b="1" dirty="0"/>
+              <a:t>, </a:t>
+            </a:r>
+            <a:r>
+              <a:rPr lang="ko-KR" altLang="en-US" b="1" dirty="0"/>
+              <a:t>가격</a:t>
+            </a:r>
+            <a:r>
+              <a:rPr lang="en-US" altLang="ko-KR" b="1" dirty="0"/>
+              <a:t>, </a:t>
+            </a:r>
+            <a:r>
+              <a:rPr lang="ko-KR" altLang="en-US" b="1" dirty="0"/>
+              <a:t>거래 장소</a:t>
+            </a:r>
+            <a:r>
+              <a:rPr lang="en-US" altLang="ko-KR" b="1" dirty="0"/>
+              <a:t> </a:t>
+            </a:r>
+            <a:r>
+              <a:rPr lang="ko-KR" altLang="en-US" b="1" dirty="0"/>
+              <a:t>등</a:t>
+            </a:r>
+            <a:r>
+              <a:rPr lang="en-US" altLang="ko-KR" b="1" dirty="0"/>
+              <a:t>)</a:t>
+            </a:r>
+            <a:endParaRPr lang="ko-KR" altLang="en-US" b="1" dirty="0"/>
+          </a:p>
+        </p:txBody>
+      </p:sp>
+      <p:sp>
+        <p:nvSpPr>
+          <p:cNvPr id="24" name="원통형 23">
+            <a:extLst>
+              <a:ext uri="{FF2B5EF4-FFF2-40B4-BE49-F238E27FC236}">
+                <a16:creationId xmlns:a16="http://schemas.microsoft.com/office/drawing/2014/main" id="{65B70870-CFA3-4273-836C-13A471F07D2B}"/>
+              </a:ext>
+            </a:extLst>
+          </p:cNvPr>
+          <p:cNvSpPr/>
+          <p:nvPr/>
+        </p:nvSpPr>
+        <p:spPr>
+          <a:xfrm>
+            <a:off x="7213993" y="4939889"/>
+            <a:ext cx="1455531" cy="1272989"/>
+          </a:xfrm>
+          <a:prstGeom prst="can">
+            <a:avLst/>
+          </a:prstGeom>
+          <a:solidFill>
+            <a:schemeClr val="accent4">
+              <a:lumMod val="20000"/>
+              <a:lumOff val="80000"/>
+            </a:schemeClr>
+          </a:solidFill>
+        </p:spPr>
+        <p:style>
+          <a:lnRef idx="2">
+            <a:schemeClr val="accent4">
+              <a:shade val="50000"/>
+            </a:schemeClr>
+          </a:lnRef>
+          <a:fillRef idx="1">
+            <a:schemeClr val="accent4"/>
+          </a:fillRef>
+          <a:effectRef idx="0">
+            <a:schemeClr val="accent4"/>
+          </a:effectRef>
+          <a:fontRef idx="minor">
+            <a:schemeClr val="lt1"/>
+          </a:fontRef>
+        </p:style>
+        <p:txBody>
+          <a:bodyPr rtlCol="0" anchor="ctr"/>
+          <a:lstStyle/>
+          <a:p>
+            <a:pPr algn="ctr"/>
+            <a:r>
+              <a:rPr lang="en-US" altLang="ko-KR" dirty="0">
+                <a:solidFill>
+                  <a:schemeClr val="tx2"/>
+                </a:solidFill>
+              </a:rPr>
+              <a:t>DATABASE</a:t>
+            </a:r>
+            <a:endParaRPr lang="ko-KR" altLang="en-US" dirty="0">
+              <a:solidFill>
+                <a:schemeClr val="tx2"/>
+              </a:solidFill>
+            </a:endParaRPr>
+          </a:p>
+        </p:txBody>
+      </p:sp>
+      <p:sp>
+        <p:nvSpPr>
+          <p:cNvPr id="25" name="원통형 24">
+            <a:extLst>
+              <a:ext uri="{FF2B5EF4-FFF2-40B4-BE49-F238E27FC236}">
+                <a16:creationId xmlns:a16="http://schemas.microsoft.com/office/drawing/2014/main" id="{65E339BC-EA43-419F-B44E-41250E34CEA3}"/>
+              </a:ext>
+            </a:extLst>
+          </p:cNvPr>
+          <p:cNvSpPr/>
+          <p:nvPr/>
+        </p:nvSpPr>
+        <p:spPr>
+          <a:xfrm>
+            <a:off x="5758462" y="4939889"/>
+            <a:ext cx="1455531" cy="1272989"/>
+          </a:xfrm>
+          <a:prstGeom prst="can">
+            <a:avLst/>
+          </a:prstGeom>
+          <a:solidFill>
+            <a:schemeClr val="accent4">
+              <a:lumMod val="20000"/>
+              <a:lumOff val="80000"/>
+            </a:schemeClr>
+          </a:solidFill>
+        </p:spPr>
+        <p:style>
+          <a:lnRef idx="2">
+            <a:schemeClr val="accent4">
+              <a:shade val="50000"/>
+            </a:schemeClr>
+          </a:lnRef>
+          <a:fillRef idx="1">
+            <a:schemeClr val="accent4"/>
+          </a:fillRef>
+          <a:effectRef idx="0">
+            <a:schemeClr val="accent4"/>
+          </a:effectRef>
+          <a:fontRef idx="minor">
+            <a:schemeClr val="lt1"/>
+          </a:fontRef>
+        </p:style>
+        <p:txBody>
+          <a:bodyPr rtlCol="0" anchor="ctr"/>
+          <a:lstStyle/>
+          <a:p>
+            <a:pPr algn="ctr"/>
+            <a:r>
+              <a:rPr lang="en-US" altLang="ko-KR" dirty="0">
+                <a:solidFill>
+                  <a:schemeClr val="tx2"/>
+                </a:solidFill>
+              </a:rPr>
+              <a:t>DATABASE</a:t>
+            </a:r>
+            <a:endParaRPr lang="ko-KR" altLang="en-US" dirty="0">
+              <a:solidFill>
+                <a:schemeClr val="tx2"/>
+              </a:solidFill>
+            </a:endParaRPr>
+          </a:p>
+        </p:txBody>
+      </p:sp>
+      <p:sp>
+        <p:nvSpPr>
+          <p:cNvPr id="26" name="원통형 25">
+            <a:extLst>
+              <a:ext uri="{FF2B5EF4-FFF2-40B4-BE49-F238E27FC236}">
+                <a16:creationId xmlns:a16="http://schemas.microsoft.com/office/drawing/2014/main" id="{7663F818-5AA3-4F07-A2E0-1B03DF5F2BF0}"/>
+              </a:ext>
+            </a:extLst>
+          </p:cNvPr>
+          <p:cNvSpPr/>
+          <p:nvPr/>
+        </p:nvSpPr>
+        <p:spPr>
+          <a:xfrm>
+            <a:off x="8669524" y="4939889"/>
+            <a:ext cx="1455531" cy="1272989"/>
+          </a:xfrm>
+          <a:prstGeom prst="can">
+            <a:avLst/>
+          </a:prstGeom>
+          <a:solidFill>
+            <a:schemeClr val="accent4">
+              <a:lumMod val="20000"/>
+              <a:lumOff val="80000"/>
+            </a:schemeClr>
+          </a:solidFill>
+        </p:spPr>
+        <p:style>
+          <a:lnRef idx="2">
+            <a:schemeClr val="accent4">
+              <a:shade val="50000"/>
+            </a:schemeClr>
+          </a:lnRef>
+          <a:fillRef idx="1">
+            <a:schemeClr val="accent4"/>
+          </a:fillRef>
+          <a:effectRef idx="0">
+            <a:schemeClr val="accent4"/>
+          </a:effectRef>
+          <a:fontRef idx="minor">
+            <a:schemeClr val="lt1"/>
+          </a:fontRef>
+        </p:style>
+        <p:txBody>
+          <a:bodyPr rtlCol="0" anchor="ctr"/>
+          <a:lstStyle/>
+          <a:p>
+            <a:pPr algn="ctr"/>
+            <a:r>
+              <a:rPr lang="en-US" altLang="ko-KR" dirty="0">
+                <a:solidFill>
+                  <a:schemeClr val="tx2"/>
+                </a:solidFill>
+              </a:rPr>
+              <a:t>DATABASE</a:t>
+            </a:r>
+            <a:endParaRPr lang="ko-KR" altLang="en-US" dirty="0">
+              <a:solidFill>
+                <a:schemeClr val="tx2"/>
+              </a:solidFill>
+            </a:endParaRPr>
+          </a:p>
+        </p:txBody>
+      </p:sp>
+      <p:sp>
+        <p:nvSpPr>
+          <p:cNvPr id="27" name="화살표: 오른쪽 26">
+            <a:extLst>
+              <a:ext uri="{FF2B5EF4-FFF2-40B4-BE49-F238E27FC236}">
+                <a16:creationId xmlns:a16="http://schemas.microsoft.com/office/drawing/2014/main" id="{13591F0C-4EA3-4E5B-B59C-94D08476EF8C}"/>
+              </a:ext>
+            </a:extLst>
+          </p:cNvPr>
+          <p:cNvSpPr/>
+          <p:nvPr/>
+        </p:nvSpPr>
+        <p:spPr>
+          <a:xfrm rot="5400000">
+            <a:off x="7426915" y="4005783"/>
+            <a:ext cx="1029689" cy="523220"/>
+          </a:xfrm>
+          <a:prstGeom prst="rightArrow">
+            <a:avLst/>
+          </a:prstGeom>
+          <a:solidFill>
+            <a:schemeClr val="accent4"/>
+          </a:solidFill>
+          <a:ln>
+            <a:noFill/>
+          </a:ln>
+        </p:spPr>
+        <p:style>
+          <a:lnRef idx="2">
+            <a:schemeClr val="accent1">
+              <a:shade val="50000"/>
+            </a:schemeClr>
+          </a:lnRef>
+          <a:fillRef idx="1">
+            <a:schemeClr val="accent1"/>
+          </a:fillRef>
+          <a:effectRef idx="0">
+            <a:schemeClr val="accent1"/>
+          </a:effectRef>
+          <a:fontRef idx="minor">
+            <a:schemeClr val="lt1"/>
+          </a:fontRef>
+        </p:style>
+        <p:txBody>
+          <a:bodyPr rtlCol="0" anchor="ctr"/>
+          <a:lstStyle/>
+          <a:p>
+            <a:pPr algn="ctr"/>
+            <a:endParaRPr lang="ko-KR" altLang="en-US"/>
+          </a:p>
+        </p:txBody>
+      </p:sp>
+    </p:spTree>
+    <p:extLst>
+      <p:ext uri="{BB962C8B-B14F-4D97-AF65-F5344CB8AC3E}">
+        <p14:creationId xmlns:p14="http://schemas.microsoft.com/office/powerpoint/2010/main" val="3853112589"/>
+      </p:ext>
+    </p:extLst>
+  </p:cSld>
+  <p:clrMapOvr>
+    <a:masterClrMapping/>
+  </p:clrMapOvr>
+</p:sld>
+</file>
+
+<file path=ppt/slides/slide11.xml><?xml version="1.0" encoding="utf-8"?>
 <p:sld xmlns:a="http://schemas.openxmlformats.org/drawingml/2006/main" xmlns:r="http://schemas.openxmlformats.org/officeDocument/2006/relationships" xmlns:p="http://schemas.openxmlformats.org/presentationml/2006/main">
   <p:cSld>
     <p:spTree>
@@ -4585,10 +7076,10 @@
         </p:nvGrpSpPr>
         <p:grpSpPr>
           <a:xfrm>
-            <a:off x="723543" y="5576384"/>
-            <a:ext cx="2508637" cy="676665"/>
-            <a:chOff x="723543" y="5827240"/>
-            <a:chExt cx="2508637" cy="676665"/>
+            <a:off x="328108" y="5576384"/>
+            <a:ext cx="3319539" cy="676665"/>
+            <a:chOff x="328108" y="5827240"/>
+            <a:chExt cx="3319539" cy="676665"/>
           </a:xfrm>
         </p:grpSpPr>
         <p:sp>
@@ -4642,8 +7133,8 @@
           </p:nvSpPr>
           <p:spPr>
             <a:xfrm>
-              <a:off x="723543" y="6242295"/>
-              <a:ext cx="2508637" cy="261610"/>
+              <a:off x="328108" y="6242295"/>
+              <a:ext cx="3319539" cy="261610"/>
             </a:xfrm>
             <a:prstGeom prst="rect">
               <a:avLst/>
@@ -4659,7 +7150,7 @@
               <a:pPr algn="ctr"/>
               <a:r>
                 <a:rPr kumimoji="1" lang="ko-KR" altLang="en-US" sz="1100" dirty="0"/>
-                <a:t>수집한 데이터의 정제 작업</a:t>
+                <a:t>수집한 데이터의 정제 및 결과 보고 작업</a:t>
               </a:r>
               <a:endParaRPr kumimoji="1" lang="ja-JP" altLang="en-US" sz="1100" dirty="0"/>
             </a:p>
@@ -4680,7 +7171,7 @@
         </p:nvSpPr>
         <p:spPr>
           <a:xfrm>
-            <a:off x="7213993" y="2255412"/>
+            <a:off x="6514745" y="2147834"/>
             <a:ext cx="1455531" cy="1272989"/>
           </a:xfrm>
           <a:prstGeom prst="can">
@@ -4744,7 +7235,7 @@
         </p:nvSpPr>
         <p:spPr>
           <a:xfrm>
-            <a:off x="5758462" y="2255412"/>
+            <a:off x="5059214" y="2147834"/>
             <a:ext cx="1455531" cy="1272989"/>
           </a:xfrm>
           <a:prstGeom prst="can">
@@ -4808,7 +7299,7 @@
         </p:nvSpPr>
         <p:spPr>
           <a:xfrm>
-            <a:off x="8669524" y="2255412"/>
+            <a:off x="7970276" y="2147834"/>
             <a:ext cx="1455531" cy="1272989"/>
           </a:xfrm>
           <a:prstGeom prst="can">
@@ -4872,7 +7363,7 @@
         </p:nvSpPr>
         <p:spPr>
           <a:xfrm rot="5400000">
-            <a:off x="7426915" y="4005783"/>
+            <a:off x="6727667" y="3898205"/>
             <a:ext cx="1029689" cy="523220"/>
           </a:xfrm>
           <a:prstGeom prst="rightArrow">
@@ -4925,16 +7416,16 @@
           <p:nvPr/>
         </p:nvPicPr>
         <p:blipFill>
-          <a:blip r:embed="rId2">
+          <a:blip r:embed="rId3">
             <a:extLst>
               <a:ext uri="{28A0092B-C50C-407E-A947-70E740481C1C}">
                 <a14:useLocalDpi xmlns:a14="http://schemas.microsoft.com/office/drawing/2010/main" val="0"/>
               </a:ext>
               <a:ext uri="{96DAC541-7B7A-43D3-8B79-37D633B846F1}">
-                <asvg:svgBlip xmlns:asvg="http://schemas.microsoft.com/office/drawing/2016/SVG/main" r:embed="rId3"/>
+                <asvg:svgBlip xmlns:asvg="http://schemas.microsoft.com/office/drawing/2016/SVG/main" r:embed="rId4"/>
               </a:ext>
               <a:ext uri="{837473B0-CC2E-450A-ABE3-18F120FF3D39}">
-                <a1611:picAttrSrcUrl xmlns:a1611="http://schemas.microsoft.com/office/drawing/2016/11/main" r:id="rId4"/>
+                <a1611:picAttrSrcUrl xmlns:a1611="http://schemas.microsoft.com/office/drawing/2016/11/main" r:id="rId5"/>
               </a:ext>
             </a:extLst>
           </a:blip>
@@ -4967,13 +7458,13 @@
           <p:nvPr/>
         </p:nvPicPr>
         <p:blipFill>
-          <a:blip r:embed="rId5">
+          <a:blip r:embed="rId6">
             <a:extLst>
               <a:ext uri="{28A0092B-C50C-407E-A947-70E740481C1C}">
                 <a14:useLocalDpi xmlns:a14="http://schemas.microsoft.com/office/drawing/2010/main" val="0"/>
               </a:ext>
               <a:ext uri="{837473B0-CC2E-450A-ABE3-18F120FF3D39}">
-                <a1611:picAttrSrcUrl xmlns:a1611="http://schemas.microsoft.com/office/drawing/2016/11/main" r:id="rId6"/>
+                <a1611:picAttrSrcUrl xmlns:a1611="http://schemas.microsoft.com/office/drawing/2016/11/main" r:id="rId7"/>
               </a:ext>
             </a:extLst>
           </a:blip>
@@ -4983,7 +7474,7 @@
         </p:blipFill>
         <p:spPr>
           <a:xfrm>
-            <a:off x="6883024" y="4701362"/>
+            <a:off x="6183776" y="4593784"/>
             <a:ext cx="2150153" cy="2150153"/>
           </a:xfrm>
           <a:prstGeom prst="rect">
@@ -5005,7 +7496,7 @@
         </p:nvSpPr>
         <p:spPr>
           <a:xfrm>
-            <a:off x="8203370" y="4012773"/>
+            <a:off x="7504122" y="3905195"/>
             <a:ext cx="3698448" cy="369332"/>
           </a:xfrm>
           <a:prstGeom prst="rect">
@@ -5036,53 +7527,6 @@
             <a:extLst>
               <a:ext uri="{FF2B5EF4-FFF2-40B4-BE49-F238E27FC236}">
                 <a16:creationId xmlns:a16="http://schemas.microsoft.com/office/drawing/2014/main" id="{37535129-96A6-43EB-A0D1-2C3149207766}"/>
-              </a:ext>
-            </a:extLst>
-          </p:cNvPr>
-          <p:cNvPicPr>
-            <a:picLocks noChangeAspect="1" noChangeArrowheads="1"/>
-          </p:cNvPicPr>
-          <p:nvPr/>
-        </p:nvPicPr>
-        <p:blipFill>
-          <a:blip r:embed="rId7">
-            <a:extLst>
-              <a:ext uri="{28A0092B-C50C-407E-A947-70E740481C1C}">
-                <a14:useLocalDpi xmlns:a14="http://schemas.microsoft.com/office/drawing/2010/main" val="0"/>
-              </a:ext>
-            </a:extLst>
-          </a:blip>
-          <a:srcRect/>
-          <a:stretch>
-            <a:fillRect/>
-          </a:stretch>
-        </p:blipFill>
-        <p:spPr bwMode="auto">
-          <a:xfrm>
-            <a:off x="8669524" y="5002973"/>
-            <a:ext cx="684201" cy="684201"/>
-          </a:xfrm>
-          <a:prstGeom prst="rect">
-            <a:avLst/>
-          </a:prstGeom>
-          <a:noFill/>
-          <a:extLst>
-            <a:ext uri="{909E8E84-426E-40DD-AFC4-6F175D3DCCD1}">
-              <a14:hiddenFill xmlns:a14="http://schemas.microsoft.com/office/drawing/2010/main">
-                <a:solidFill>
-                  <a:srgbClr val="FFFFFF"/>
-                </a:solidFill>
-              </a14:hiddenFill>
-            </a:ext>
-          </a:extLst>
-        </p:spPr>
-      </p:pic>
-      <p:pic>
-        <p:nvPicPr>
-          <p:cNvPr id="1028" name="Picture 4" descr="gmail logo에 대한 이미지 검색결과">
-            <a:extLst>
-              <a:ext uri="{FF2B5EF4-FFF2-40B4-BE49-F238E27FC236}">
-                <a16:creationId xmlns:a16="http://schemas.microsoft.com/office/drawing/2014/main" id="{A1CB6BEF-0B19-40FD-B807-9EBB0E4233F9}"/>
               </a:ext>
             </a:extLst>
           </p:cNvPr>
@@ -5106,7 +7550,54 @@
         </p:blipFill>
         <p:spPr bwMode="auto">
           <a:xfrm>
-            <a:off x="9504899" y="4953925"/>
+            <a:off x="7970276" y="4895395"/>
+            <a:ext cx="684201" cy="684201"/>
+          </a:xfrm>
+          <a:prstGeom prst="rect">
+            <a:avLst/>
+          </a:prstGeom>
+          <a:noFill/>
+          <a:extLst>
+            <a:ext uri="{909E8E84-426E-40DD-AFC4-6F175D3DCCD1}">
+              <a14:hiddenFill xmlns:a14="http://schemas.microsoft.com/office/drawing/2010/main">
+                <a:solidFill>
+                  <a:srgbClr val="FFFFFF"/>
+                </a:solidFill>
+              </a14:hiddenFill>
+            </a:ext>
+          </a:extLst>
+        </p:spPr>
+      </p:pic>
+      <p:pic>
+        <p:nvPicPr>
+          <p:cNvPr id="1028" name="Picture 4" descr="gmail logo에 대한 이미지 검색결과">
+            <a:extLst>
+              <a:ext uri="{FF2B5EF4-FFF2-40B4-BE49-F238E27FC236}">
+                <a16:creationId xmlns:a16="http://schemas.microsoft.com/office/drawing/2014/main" id="{A1CB6BEF-0B19-40FD-B807-9EBB0E4233F9}"/>
+              </a:ext>
+            </a:extLst>
+          </p:cNvPr>
+          <p:cNvPicPr>
+            <a:picLocks noChangeAspect="1" noChangeArrowheads="1"/>
+          </p:cNvPicPr>
+          <p:nvPr/>
+        </p:nvPicPr>
+        <p:blipFill>
+          <a:blip r:embed="rId9">
+            <a:extLst>
+              <a:ext uri="{28A0092B-C50C-407E-A947-70E740481C1C}">
+                <a14:useLocalDpi xmlns:a14="http://schemas.microsoft.com/office/drawing/2010/main" val="0"/>
+              </a:ext>
+            </a:extLst>
+          </a:blip>
+          <a:srcRect/>
+          <a:stretch>
+            <a:fillRect/>
+          </a:stretch>
+        </p:blipFill>
+        <p:spPr bwMode="auto">
+          <a:xfrm>
+            <a:off x="8805651" y="4846347"/>
             <a:ext cx="955085" cy="693617"/>
           </a:xfrm>
           <a:prstGeom prst="rect">
@@ -5137,7 +7628,7 @@
 </p:sld>
 </file>
 
-<file path=ppt/slides/slide11.xml><?xml version="1.0" encoding="utf-8"?>
+<file path=ppt/slides/slide12.xml><?xml version="1.0" encoding="utf-8"?>
 <p:sld xmlns:a="http://schemas.openxmlformats.org/drawingml/2006/main" xmlns:r="http://schemas.openxmlformats.org/officeDocument/2006/relationships" xmlns:p="http://schemas.openxmlformats.org/presentationml/2006/main">
   <p:cSld>
     <p:spTree>
@@ -5746,7 +8237,7 @@
 </p:sld>
 </file>
 
-<file path=ppt/slides/slide12.xml><?xml version="1.0" encoding="utf-8"?>
+<file path=ppt/slides/slide13.xml><?xml version="1.0" encoding="utf-8"?>
 <p:sld xmlns:a="http://schemas.openxmlformats.org/drawingml/2006/main" xmlns:r="http://schemas.openxmlformats.org/officeDocument/2006/relationships" xmlns:p="http://schemas.openxmlformats.org/presentationml/2006/main">
   <p:cSld>
     <p:spTree>
@@ -5979,7 +8470,7 @@
           <p:nvPr/>
         </p:nvPicPr>
         <p:blipFill>
-          <a:blip r:embed="rId2"/>
+          <a:blip r:embed="rId3"/>
           <a:stretch>
             <a:fillRect/>
           </a:stretch>
@@ -6144,7 +8635,7 @@
         </p:nvSpPr>
         <p:spPr>
           <a:xfrm>
-            <a:off x="1280038" y="4076189"/>
+            <a:off x="1328111" y="4076189"/>
             <a:ext cx="1618725" cy="246222"/>
           </a:xfrm>
           <a:prstGeom prst="rect">
@@ -6186,7 +8677,7 @@
         </p:nvSpPr>
         <p:spPr>
           <a:xfrm>
-            <a:off x="1280039" y="4370318"/>
+            <a:off x="1328112" y="4370318"/>
             <a:ext cx="1449948" cy="184666"/>
           </a:xfrm>
           <a:prstGeom prst="rect">
@@ -6228,7 +8719,7 @@
         </p:nvSpPr>
         <p:spPr>
           <a:xfrm>
-            <a:off x="9177568" y="4076189"/>
+            <a:off x="9465964" y="4076189"/>
             <a:ext cx="1618725" cy="246222"/>
           </a:xfrm>
           <a:prstGeom prst="rect">
@@ -6270,7 +8761,7 @@
         </p:nvSpPr>
         <p:spPr>
           <a:xfrm>
-            <a:off x="9177568" y="4370318"/>
+            <a:off x="9465964" y="4370318"/>
             <a:ext cx="1435011" cy="184666"/>
           </a:xfrm>
           <a:prstGeom prst="rect">
@@ -6342,7 +8833,7 @@
         </p:nvSpPr>
         <p:spPr>
           <a:xfrm>
-            <a:off x="8668799" y="2249351"/>
+            <a:off x="8965336" y="2249351"/>
             <a:ext cx="1618725" cy="246222"/>
           </a:xfrm>
           <a:prstGeom prst="rect">
@@ -6384,7 +8875,7 @@
         </p:nvSpPr>
         <p:spPr>
           <a:xfrm>
-            <a:off x="8668799" y="2543480"/>
+            <a:off x="8965336" y="2543480"/>
             <a:ext cx="1449948" cy="184666"/>
           </a:xfrm>
           <a:prstGeom prst="rect">
@@ -6446,7 +8937,7 @@
           <p:nvPr/>
         </p:nvPicPr>
         <p:blipFill>
-          <a:blip r:embed="rId3">
+          <a:blip r:embed="rId4">
             <a:extLst>
               <a:ext uri="{28A0092B-C50C-407E-A947-70E740481C1C}">
                 <a14:useLocalDpi xmlns:a14="http://schemas.microsoft.com/office/drawing/2010/main" val="0"/>
@@ -6493,7 +8984,7 @@
           <p:nvPr/>
         </p:nvPicPr>
         <p:blipFill>
-          <a:blip r:embed="rId4">
+          <a:blip r:embed="rId5">
             <a:extLst>
               <a:ext uri="{28A0092B-C50C-407E-A947-70E740481C1C}">
                 <a14:useLocalDpi xmlns:a14="http://schemas.microsoft.com/office/drawing/2010/main" val="0"/>
@@ -6540,7 +9031,7 @@
           <p:nvPr/>
         </p:nvPicPr>
         <p:blipFill>
-          <a:blip r:embed="rId5">
+          <a:blip r:embed="rId6">
             <a:extLst>
               <a:ext uri="{28A0092B-C50C-407E-A947-70E740481C1C}">
                 <a14:useLocalDpi xmlns:a14="http://schemas.microsoft.com/office/drawing/2010/main" val="0"/>
@@ -6587,13 +9078,13 @@
           <p:nvPr/>
         </p:nvPicPr>
         <p:blipFill>
-          <a:blip r:embed="rId6">
+          <a:blip r:embed="rId7">
             <a:extLst>
               <a:ext uri="{28A0092B-C50C-407E-A947-70E740481C1C}">
                 <a14:useLocalDpi xmlns:a14="http://schemas.microsoft.com/office/drawing/2010/main" val="0"/>
               </a:ext>
               <a:ext uri="{837473B0-CC2E-450A-ABE3-18F120FF3D39}">
-                <a1611:picAttrSrcUrl xmlns:a1611="http://schemas.microsoft.com/office/drawing/2016/11/main" r:id="rId7"/>
+                <a1611:picAttrSrcUrl xmlns:a1611="http://schemas.microsoft.com/office/drawing/2016/11/main" r:id="rId8"/>
               </a:ext>
             </a:extLst>
           </a:blip>
@@ -6626,7 +9117,7 @@
           <p:nvPr/>
         </p:nvPicPr>
         <p:blipFill>
-          <a:blip r:embed="rId8">
+          <a:blip r:embed="rId9">
             <a:extLst>
               <a:ext uri="{28A0092B-C50C-407E-A947-70E740481C1C}">
                 <a14:useLocalDpi xmlns:a14="http://schemas.microsoft.com/office/drawing/2010/main" val="0"/>
@@ -6764,7 +9255,7 @@
 </p:sld>
 </file>
 
-<file path=ppt/slides/slide13.xml><?xml version="1.0" encoding="utf-8"?>
+<file path=ppt/slides/slide14.xml><?xml version="1.0" encoding="utf-8"?>
 <p:sld xmlns:a="http://schemas.openxmlformats.org/drawingml/2006/main" xmlns:r="http://schemas.openxmlformats.org/officeDocument/2006/relationships" xmlns:p="http://schemas.openxmlformats.org/presentationml/2006/main">
   <p:cSld>
     <p:spTree>
@@ -13024,7 +15515,7 @@
 </p:sld>
 </file>
 
-<file path=ppt/slides/slide14.xml><?xml version="1.0" encoding="utf-8"?>
+<file path=ppt/slides/slide15.xml><?xml version="1.0" encoding="utf-8"?>
 <p:sld xmlns:a="http://schemas.openxmlformats.org/drawingml/2006/main" xmlns:r="http://schemas.openxmlformats.org/officeDocument/2006/relationships" xmlns:p="http://schemas.openxmlformats.org/presentationml/2006/main">
   <p:cSld>
     <p:spTree>
@@ -14363,7 +16854,7 @@
 </p:sld>
 </file>
 
-<file path=ppt/slides/slide15.xml><?xml version="1.0" encoding="utf-8"?>
+<file path=ppt/slides/slide16.xml><?xml version="1.0" encoding="utf-8"?>
 <p:sld xmlns:a="http://schemas.openxmlformats.org/drawingml/2006/main" xmlns:r="http://schemas.openxmlformats.org/officeDocument/2006/relationships" xmlns:p="http://schemas.openxmlformats.org/presentationml/2006/main">
   <p:cSld>
     <p:bg>
@@ -16460,7 +18951,7 @@
             <p:nvPr/>
           </p:nvPicPr>
           <p:blipFill>
-            <a:blip r:embed="rId2">
+            <a:blip r:embed="rId3">
               <a:extLst>
                 <a:ext uri="{28A0092B-C50C-407E-A947-70E740481C1C}">
                   <a14:useLocalDpi xmlns:a14="http://schemas.microsoft.com/office/drawing/2010/main" val="0"/>
@@ -16507,7 +18998,7 @@
             <p:nvPr/>
           </p:nvPicPr>
           <p:blipFill>
-            <a:blip r:embed="rId3">
+            <a:blip r:embed="rId4">
               <a:extLst>
                 <a:ext uri="{28A0092B-C50C-407E-A947-70E740481C1C}">
                   <a14:useLocalDpi xmlns:a14="http://schemas.microsoft.com/office/drawing/2010/main" val="0"/>
@@ -16554,7 +19045,7 @@
             <p:nvPr/>
           </p:nvPicPr>
           <p:blipFill>
-            <a:blip r:embed="rId4">
+            <a:blip r:embed="rId5">
               <a:extLst>
                 <a:ext uri="{28A0092B-C50C-407E-A947-70E740481C1C}">
                   <a14:useLocalDpi xmlns:a14="http://schemas.microsoft.com/office/drawing/2010/main" val="0"/>
@@ -16601,7 +19092,7 @@
             <p:nvPr/>
           </p:nvPicPr>
           <p:blipFill>
-            <a:blip r:embed="rId5">
+            <a:blip r:embed="rId6">
               <a:extLst>
                 <a:ext uri="{28A0092B-C50C-407E-A947-70E740481C1C}">
                   <a14:useLocalDpi xmlns:a14="http://schemas.microsoft.com/office/drawing/2010/main" val="0"/>
@@ -16812,7 +19303,7 @@
           <p:nvPr/>
         </p:nvPicPr>
         <p:blipFill>
-          <a:blip r:embed="rId6">
+          <a:blip r:embed="rId7">
             <a:extLst>
               <a:ext uri="{28A0092B-C50C-407E-A947-70E740481C1C}">
                 <a14:useLocalDpi xmlns:a14="http://schemas.microsoft.com/office/drawing/2010/main" val="0"/>
@@ -16948,13 +19439,13 @@
           <p:nvPr/>
         </p:nvPicPr>
         <p:blipFill>
-          <a:blip r:embed="rId7">
+          <a:blip r:embed="rId8">
             <a:extLst>
               <a:ext uri="{28A0092B-C50C-407E-A947-70E740481C1C}">
                 <a14:useLocalDpi xmlns:a14="http://schemas.microsoft.com/office/drawing/2010/main" val="0"/>
               </a:ext>
               <a:ext uri="{837473B0-CC2E-450A-ABE3-18F120FF3D39}">
-                <a1611:picAttrSrcUrl xmlns:a1611="http://schemas.microsoft.com/office/drawing/2016/11/main" r:id="rId8"/>
+                <a1611:picAttrSrcUrl xmlns:a1611="http://schemas.microsoft.com/office/drawing/2016/11/main" r:id="rId9"/>
               </a:ext>
             </a:extLst>
           </a:blip>
@@ -17318,6 +19809,53 @@
               <a:t>(Robotic Process Automation)</a:t>
             </a:r>
             <a:endParaRPr lang="ko-KR" altLang="en-US" b="1" dirty="0"/>
+          </a:p>
+        </p:txBody>
+      </p:sp>
+      <p:sp>
+        <p:nvSpPr>
+          <p:cNvPr id="33" name="TextBox 32">
+            <a:extLst>
+              <a:ext uri="{FF2B5EF4-FFF2-40B4-BE49-F238E27FC236}">
+                <a16:creationId xmlns:a16="http://schemas.microsoft.com/office/drawing/2014/main" id="{03C76377-C61B-4606-AB58-553B7B2A6450}"/>
+              </a:ext>
+            </a:extLst>
+          </p:cNvPr>
+          <p:cNvSpPr txBox="1"/>
+          <p:nvPr/>
+        </p:nvSpPr>
+        <p:spPr>
+          <a:xfrm>
+            <a:off x="8389243" y="4010148"/>
+            <a:ext cx="1337654" cy="261610"/>
+          </a:xfrm>
+          <a:prstGeom prst="rect">
+            <a:avLst/>
+          </a:prstGeom>
+          <a:noFill/>
+          <a:ln>
+            <a:noFill/>
+          </a:ln>
+        </p:spPr>
+        <p:txBody>
+          <a:bodyPr wrap="square" rtlCol="0">
+            <a:spAutoFit/>
+          </a:bodyPr>
+          <a:lstStyle/>
+          <a:p>
+            <a:r>
+              <a:rPr lang="ko-KR" altLang="en-US" sz="1100" dirty="0"/>
+              <a:t>메일</a:t>
+            </a:r>
+            <a:r>
+              <a:rPr lang="en-US" altLang="ko-KR" sz="1100" dirty="0"/>
+              <a:t>, </a:t>
+            </a:r>
+            <a:r>
+              <a:rPr lang="ko-KR" altLang="en-US" sz="1100" dirty="0"/>
+              <a:t>엑셀 파일 등</a:t>
+            </a:r>
+            <a:endParaRPr lang="en-US" altLang="ko-KR" sz="1100" dirty="0"/>
           </a:p>
         </p:txBody>
       </p:sp>
@@ -18163,7 +20701,7 @@
                   <a:schemeClr val="bg1"/>
                 </a:solidFill>
               </a:rPr>
-              <a:t>중고 물품 데이터</a:t>
+              <a:t>중고 거래 특징</a:t>
             </a:r>
             <a:endParaRPr kumimoji="1" lang="ja-JP" altLang="en-US" sz="5400" b="1" spc="-300" dirty="0">
               <a:solidFill>
@@ -18539,7 +21077,7 @@
           <p:nvPr/>
         </p:nvPicPr>
         <p:blipFill>
-          <a:blip r:embed="rId2"/>
+          <a:blip r:embed="rId3"/>
           <a:stretch>
             <a:fillRect/>
           </a:stretch>
@@ -18569,7 +21107,7 @@
           <p:nvPr/>
         </p:nvPicPr>
         <p:blipFill>
-          <a:blip r:embed="rId3"/>
+          <a:blip r:embed="rId4"/>
           <a:stretch>
             <a:fillRect/>
           </a:stretch>
@@ -18634,6 +21172,637 @@
 </file>
 
 <file path=ppt/slides/slide7.xml><?xml version="1.0" encoding="utf-8"?>
+<p:sld xmlns:a="http://schemas.openxmlformats.org/drawingml/2006/main" xmlns:r="http://schemas.openxmlformats.org/officeDocument/2006/relationships" xmlns:p="http://schemas.openxmlformats.org/presentationml/2006/main">
+  <p:cSld>
+    <p:spTree>
+      <p:nvGrpSpPr>
+        <p:cNvPr id="1" name=""/>
+        <p:cNvGrpSpPr/>
+        <p:nvPr/>
+      </p:nvGrpSpPr>
+      <p:grpSpPr>
+        <a:xfrm>
+          <a:off x="0" y="0"/>
+          <a:ext cx="0" cy="0"/>
+          <a:chOff x="0" y="0"/>
+          <a:chExt cx="0" cy="0"/>
+        </a:xfrm>
+      </p:grpSpPr>
+      <p:sp>
+        <p:nvSpPr>
+          <p:cNvPr id="5" name="正方形/長方形 4"/>
+          <p:cNvSpPr/>
+          <p:nvPr/>
+        </p:nvSpPr>
+        <p:spPr>
+          <a:xfrm>
+            <a:off x="0" y="0"/>
+            <a:ext cx="12192000" cy="1616765"/>
+          </a:xfrm>
+          <a:prstGeom prst="rect">
+            <a:avLst/>
+          </a:prstGeom>
+          <a:solidFill>
+            <a:srgbClr val="22578B"/>
+          </a:solidFill>
+          <a:ln>
+            <a:noFill/>
+          </a:ln>
+        </p:spPr>
+        <p:style>
+          <a:lnRef idx="2">
+            <a:schemeClr val="accent1">
+              <a:shade val="50000"/>
+            </a:schemeClr>
+          </a:lnRef>
+          <a:fillRef idx="1">
+            <a:schemeClr val="accent1"/>
+          </a:fillRef>
+          <a:effectRef idx="0">
+            <a:schemeClr val="accent1"/>
+          </a:effectRef>
+          <a:fontRef idx="minor">
+            <a:schemeClr val="lt1"/>
+          </a:fontRef>
+        </p:style>
+        <p:txBody>
+          <a:bodyPr rtlCol="0" anchor="ctr"/>
+          <a:lstStyle/>
+          <a:p>
+            <a:pPr algn="ctr"/>
+            <a:endParaRPr kumimoji="1" lang="ja-JP" altLang="en-US"/>
+          </a:p>
+        </p:txBody>
+      </p:sp>
+      <p:grpSp>
+        <p:nvGrpSpPr>
+          <p:cNvPr id="2" name="グループ化 1"/>
+          <p:cNvGrpSpPr/>
+          <p:nvPr/>
+        </p:nvGrpSpPr>
+        <p:grpSpPr>
+          <a:xfrm>
+            <a:off x="282270" y="316503"/>
+            <a:ext cx="2110410" cy="929201"/>
+            <a:chOff x="556590" y="1460994"/>
+            <a:chExt cx="2110410" cy="1134834"/>
+          </a:xfrm>
+        </p:grpSpPr>
+        <p:sp>
+          <p:nvSpPr>
+            <p:cNvPr id="3" name="ホームベース 2"/>
+            <p:cNvSpPr/>
+            <p:nvPr/>
+          </p:nvSpPr>
+          <p:spPr>
+            <a:xfrm>
+              <a:off x="556590" y="1460994"/>
+              <a:ext cx="2110410" cy="1134834"/>
+            </a:xfrm>
+            <a:prstGeom prst="homePlate">
+              <a:avLst/>
+            </a:prstGeom>
+            <a:solidFill>
+              <a:schemeClr val="bg1"/>
+            </a:solidFill>
+            <a:ln w="76200">
+              <a:solidFill>
+                <a:srgbClr val="1F3359"/>
+              </a:solidFill>
+            </a:ln>
+          </p:spPr>
+          <p:style>
+            <a:lnRef idx="2">
+              <a:schemeClr val="accent1">
+                <a:shade val="50000"/>
+              </a:schemeClr>
+            </a:lnRef>
+            <a:fillRef idx="1">
+              <a:schemeClr val="accent1"/>
+            </a:fillRef>
+            <a:effectRef idx="0">
+              <a:schemeClr val="accent1"/>
+            </a:effectRef>
+            <a:fontRef idx="minor">
+              <a:schemeClr val="lt1"/>
+            </a:fontRef>
+          </p:style>
+          <p:txBody>
+            <a:bodyPr rtlCol="0" anchor="ctr"/>
+            <a:lstStyle/>
+            <a:p>
+              <a:pPr algn="ctr"/>
+              <a:endParaRPr kumimoji="1" lang="ja-JP" altLang="en-US"/>
+            </a:p>
+          </p:txBody>
+        </p:sp>
+        <p:sp>
+          <p:nvSpPr>
+            <p:cNvPr id="4" name="テキスト ボックス 3"/>
+            <p:cNvSpPr txBox="1"/>
+            <p:nvPr/>
+          </p:nvSpPr>
+          <p:spPr>
+            <a:xfrm>
+              <a:off x="795130" y="1606538"/>
+              <a:ext cx="1467068" cy="789365"/>
+            </a:xfrm>
+            <a:prstGeom prst="rect">
+              <a:avLst/>
+            </a:prstGeom>
+            <a:noFill/>
+          </p:spPr>
+          <p:txBody>
+            <a:bodyPr wrap="none" rtlCol="0">
+              <a:spAutoFit/>
+            </a:bodyPr>
+            <a:lstStyle/>
+            <a:p>
+              <a:r>
+                <a:rPr kumimoji="1" lang="en-US" altLang="ko-KR" sz="3600" b="1" dirty="0">
+                  <a:solidFill>
+                    <a:srgbClr val="1F3359"/>
+                  </a:solidFill>
+                </a:rPr>
+                <a:t>Part 2</a:t>
+              </a:r>
+              <a:endParaRPr kumimoji="1" lang="ja-JP" altLang="en-US" sz="3600" b="1" dirty="0">
+                <a:solidFill>
+                  <a:srgbClr val="1F3359"/>
+                </a:solidFill>
+              </a:endParaRPr>
+            </a:p>
+          </p:txBody>
+        </p:sp>
+      </p:grpSp>
+      <p:sp>
+        <p:nvSpPr>
+          <p:cNvPr id="6" name="テキスト ボックス 5"/>
+          <p:cNvSpPr txBox="1"/>
+          <p:nvPr/>
+        </p:nvSpPr>
+        <p:spPr>
+          <a:xfrm>
+            <a:off x="2301422" y="341299"/>
+            <a:ext cx="10019881" cy="929201"/>
+          </a:xfrm>
+          <a:prstGeom prst="rect">
+            <a:avLst/>
+          </a:prstGeom>
+          <a:noFill/>
+        </p:spPr>
+        <p:txBody>
+          <a:bodyPr wrap="square" rtlCol="0">
+            <a:spAutoFit/>
+          </a:bodyPr>
+          <a:lstStyle/>
+          <a:p>
+            <a:r>
+              <a:rPr kumimoji="1" lang="ko-KR" altLang="en-US" sz="5400" b="1" spc="-300" dirty="0">
+                <a:solidFill>
+                  <a:schemeClr val="bg1"/>
+                </a:solidFill>
+              </a:rPr>
+              <a:t>주제 선정 배경 </a:t>
+            </a:r>
+            <a:r>
+              <a:rPr kumimoji="1" lang="en-US" altLang="ko-KR" sz="5400" b="1" spc="-300" dirty="0">
+                <a:solidFill>
+                  <a:schemeClr val="bg1"/>
+                </a:solidFill>
+              </a:rPr>
+              <a:t>– </a:t>
+            </a:r>
+            <a:r>
+              <a:rPr kumimoji="1" lang="ko-KR" altLang="en-US" sz="5400" b="1" spc="-300" dirty="0">
+                <a:solidFill>
+                  <a:schemeClr val="bg1"/>
+                </a:solidFill>
+              </a:rPr>
+              <a:t>중고 거래 특징</a:t>
+            </a:r>
+            <a:endParaRPr kumimoji="1" lang="ja-JP" altLang="en-US" sz="5400" b="1" spc="-300" dirty="0">
+              <a:solidFill>
+                <a:schemeClr val="bg1"/>
+              </a:solidFill>
+            </a:endParaRPr>
+          </a:p>
+        </p:txBody>
+      </p:sp>
+      <p:cxnSp>
+        <p:nvCxnSpPr>
+          <p:cNvPr id="8" name="直線コネクタ 7"/>
+          <p:cNvCxnSpPr/>
+          <p:nvPr/>
+        </p:nvCxnSpPr>
+        <p:spPr>
+          <a:xfrm flipV="1">
+            <a:off x="282270" y="6626087"/>
+            <a:ext cx="11909730" cy="26504"/>
+          </a:xfrm>
+          <a:prstGeom prst="line">
+            <a:avLst/>
+          </a:prstGeom>
+          <a:ln w="12700">
+            <a:solidFill>
+              <a:srgbClr val="1F3359"/>
+            </a:solidFill>
+          </a:ln>
+        </p:spPr>
+        <p:style>
+          <a:lnRef idx="1">
+            <a:schemeClr val="accent1"/>
+          </a:lnRef>
+          <a:fillRef idx="0">
+            <a:schemeClr val="accent1"/>
+          </a:fillRef>
+          <a:effectRef idx="0">
+            <a:schemeClr val="accent1"/>
+          </a:effectRef>
+          <a:fontRef idx="minor">
+            <a:schemeClr val="tx1"/>
+          </a:fontRef>
+        </p:style>
+      </p:cxnSp>
+      <p:sp>
+        <p:nvSpPr>
+          <p:cNvPr id="46" name="직사각형 45">
+            <a:extLst>
+              <a:ext uri="{FF2B5EF4-FFF2-40B4-BE49-F238E27FC236}">
+                <a16:creationId xmlns:a16="http://schemas.microsoft.com/office/drawing/2014/main" id="{98DDE05E-733D-4136-9DB4-D9110F15CA49}"/>
+              </a:ext>
+            </a:extLst>
+          </p:cNvPr>
+          <p:cNvSpPr/>
+          <p:nvPr/>
+        </p:nvSpPr>
+        <p:spPr>
+          <a:xfrm>
+            <a:off x="1868170" y="2008409"/>
+            <a:ext cx="4162425" cy="2096994"/>
+          </a:xfrm>
+          <a:prstGeom prst="rect">
+            <a:avLst/>
+          </a:prstGeom>
+          <a:ln>
+            <a:noFill/>
+          </a:ln>
+        </p:spPr>
+        <p:style>
+          <a:lnRef idx="2">
+            <a:schemeClr val="accent1">
+              <a:shade val="50000"/>
+            </a:schemeClr>
+          </a:lnRef>
+          <a:fillRef idx="1">
+            <a:schemeClr val="accent1"/>
+          </a:fillRef>
+          <a:effectRef idx="0">
+            <a:schemeClr val="accent1"/>
+          </a:effectRef>
+          <a:fontRef idx="minor">
+            <a:schemeClr val="lt1"/>
+          </a:fontRef>
+        </p:style>
+        <p:txBody>
+          <a:bodyPr rtlCol="0" anchor="ctr"/>
+          <a:lstStyle/>
+          <a:p>
+            <a:pPr algn="ctr"/>
+            <a:r>
+              <a:rPr lang="ko-KR" altLang="en-US" sz="2800" b="1" dirty="0"/>
+              <a:t>가격 정보 검색의 어려움</a:t>
+            </a:r>
+            <a:endParaRPr lang="en-US" altLang="ko-KR" sz="2800" b="1" dirty="0"/>
+          </a:p>
+          <a:p>
+            <a:pPr algn="ctr"/>
+            <a:r>
+              <a:rPr lang="en-US" altLang="ko-KR" sz="2000" b="1" dirty="0"/>
+              <a:t>-</a:t>
+            </a:r>
+            <a:r>
+              <a:rPr lang="ko-KR" altLang="en-US" sz="2000" b="1" dirty="0"/>
+              <a:t>자동화 필요</a:t>
+            </a:r>
+            <a:r>
+              <a:rPr lang="en-US" altLang="ko-KR" sz="2000" b="1" dirty="0"/>
+              <a:t>-</a:t>
+            </a:r>
+            <a:endParaRPr lang="ko-KR" altLang="en-US" sz="2000" b="1" dirty="0"/>
+          </a:p>
+        </p:txBody>
+      </p:sp>
+      <p:sp>
+        <p:nvSpPr>
+          <p:cNvPr id="47" name="직사각형 46">
+            <a:extLst>
+              <a:ext uri="{FF2B5EF4-FFF2-40B4-BE49-F238E27FC236}">
+                <a16:creationId xmlns:a16="http://schemas.microsoft.com/office/drawing/2014/main" id="{EA40BC32-1EE5-48D1-AE9A-58CBE6045D9F}"/>
+              </a:ext>
+            </a:extLst>
+          </p:cNvPr>
+          <p:cNvSpPr/>
+          <p:nvPr/>
+        </p:nvSpPr>
+        <p:spPr>
+          <a:xfrm>
+            <a:off x="6154420" y="2008409"/>
+            <a:ext cx="3977462" cy="2096994"/>
+          </a:xfrm>
+          <a:prstGeom prst="rect">
+            <a:avLst/>
+          </a:prstGeom>
+          <a:solidFill>
+            <a:schemeClr val="accent2"/>
+          </a:solidFill>
+          <a:ln>
+            <a:noFill/>
+          </a:ln>
+        </p:spPr>
+        <p:style>
+          <a:lnRef idx="2">
+            <a:schemeClr val="accent1">
+              <a:shade val="50000"/>
+            </a:schemeClr>
+          </a:lnRef>
+          <a:fillRef idx="1">
+            <a:schemeClr val="accent1"/>
+          </a:fillRef>
+          <a:effectRef idx="0">
+            <a:schemeClr val="accent1"/>
+          </a:effectRef>
+          <a:fontRef idx="minor">
+            <a:schemeClr val="lt1"/>
+          </a:fontRef>
+        </p:style>
+        <p:txBody>
+          <a:bodyPr rtlCol="0" anchor="ctr"/>
+          <a:lstStyle/>
+          <a:p>
+            <a:pPr algn="ctr"/>
+            <a:r>
+              <a:rPr lang="ko-KR" altLang="en-US" sz="2800" b="1" dirty="0"/>
+              <a:t>가격 변동 폭이 심함</a:t>
+            </a:r>
+            <a:endParaRPr lang="en-US" altLang="ko-KR" sz="2800" b="1" dirty="0"/>
+          </a:p>
+          <a:p>
+            <a:pPr algn="ctr"/>
+            <a:r>
+              <a:rPr lang="en-US" altLang="ko-KR" sz="2000" b="1" dirty="0"/>
+              <a:t>-</a:t>
+            </a:r>
+            <a:r>
+              <a:rPr lang="ko-KR" altLang="en-US" sz="2000" b="1" dirty="0"/>
+              <a:t>주기적 데이터 수집 필요</a:t>
+            </a:r>
+            <a:r>
+              <a:rPr lang="en-US" altLang="ko-KR" sz="2000" b="1" dirty="0"/>
+              <a:t>-</a:t>
+            </a:r>
+            <a:endParaRPr lang="ko-KR" altLang="en-US" sz="2800" b="1" dirty="0"/>
+          </a:p>
+        </p:txBody>
+      </p:sp>
+      <p:sp>
+        <p:nvSpPr>
+          <p:cNvPr id="48" name="직사각형 47">
+            <a:extLst>
+              <a:ext uri="{FF2B5EF4-FFF2-40B4-BE49-F238E27FC236}">
+                <a16:creationId xmlns:a16="http://schemas.microsoft.com/office/drawing/2014/main" id="{D27C0991-9177-4738-8787-D191A3BBD66E}"/>
+              </a:ext>
+            </a:extLst>
+          </p:cNvPr>
+          <p:cNvSpPr/>
+          <p:nvPr/>
+        </p:nvSpPr>
+        <p:spPr>
+          <a:xfrm>
+            <a:off x="4014787" y="4227734"/>
+            <a:ext cx="4162425" cy="2096994"/>
+          </a:xfrm>
+          <a:prstGeom prst="rect">
+            <a:avLst/>
+          </a:prstGeom>
+          <a:solidFill>
+            <a:srgbClr val="FFC000"/>
+          </a:solidFill>
+          <a:ln>
+            <a:noFill/>
+          </a:ln>
+        </p:spPr>
+        <p:style>
+          <a:lnRef idx="2">
+            <a:schemeClr val="accent1">
+              <a:shade val="50000"/>
+            </a:schemeClr>
+          </a:lnRef>
+          <a:fillRef idx="1">
+            <a:schemeClr val="accent1"/>
+          </a:fillRef>
+          <a:effectRef idx="0">
+            <a:schemeClr val="accent1"/>
+          </a:effectRef>
+          <a:fontRef idx="minor">
+            <a:schemeClr val="lt1"/>
+          </a:fontRef>
+        </p:style>
+        <p:txBody>
+          <a:bodyPr rtlCol="0" anchor="ctr"/>
+          <a:lstStyle/>
+          <a:p>
+            <a:pPr algn="ctr"/>
+            <a:r>
+              <a:rPr lang="en-US" altLang="ko-KR" sz="2000" b="1" dirty="0"/>
+              <a:t>-</a:t>
+            </a:r>
+            <a:r>
+              <a:rPr lang="ko-KR" altLang="en-US" sz="2000" b="1" dirty="0"/>
+              <a:t>수집한 데이터의 검증 필요</a:t>
+            </a:r>
+            <a:r>
+              <a:rPr lang="en-US" altLang="ko-KR" sz="2000" b="1" dirty="0"/>
+              <a:t>-</a:t>
+            </a:r>
+            <a:endParaRPr lang="en-US" altLang="ko-KR" sz="2800" b="1" dirty="0"/>
+          </a:p>
+          <a:p>
+            <a:pPr algn="ctr"/>
+            <a:r>
+              <a:rPr lang="ko-KR" altLang="en-US" sz="2800" b="1" dirty="0"/>
+              <a:t>허위 매물</a:t>
+            </a:r>
+            <a:r>
+              <a:rPr lang="en-US" altLang="ko-KR" sz="2800" b="1" dirty="0"/>
+              <a:t> </a:t>
+            </a:r>
+            <a:r>
+              <a:rPr lang="ko-KR" altLang="en-US" sz="2800" b="1" dirty="0"/>
+              <a:t>등 사기의 위험</a:t>
+            </a:r>
+            <a:endParaRPr lang="en-US" altLang="ko-KR" sz="2800" b="1" dirty="0"/>
+          </a:p>
+        </p:txBody>
+      </p:sp>
+      <p:sp>
+        <p:nvSpPr>
+          <p:cNvPr id="15" name="직사각형 14">
+            <a:extLst>
+              <a:ext uri="{FF2B5EF4-FFF2-40B4-BE49-F238E27FC236}">
+                <a16:creationId xmlns:a16="http://schemas.microsoft.com/office/drawing/2014/main" id="{501DE5C3-F4C9-4180-8C52-C950A1E6D827}"/>
+              </a:ext>
+            </a:extLst>
+          </p:cNvPr>
+          <p:cNvSpPr/>
+          <p:nvPr/>
+        </p:nvSpPr>
+        <p:spPr>
+          <a:xfrm>
+            <a:off x="5110097" y="3791184"/>
+            <a:ext cx="1840996" cy="821518"/>
+          </a:xfrm>
+          <a:prstGeom prst="rect">
+            <a:avLst/>
+          </a:prstGeom>
+          <a:solidFill>
+            <a:srgbClr val="FF0000"/>
+          </a:solidFill>
+          <a:ln>
+            <a:solidFill>
+              <a:srgbClr val="FF0000"/>
+            </a:solidFill>
+          </a:ln>
+        </p:spPr>
+        <p:style>
+          <a:lnRef idx="2">
+            <a:schemeClr val="accent1">
+              <a:shade val="50000"/>
+            </a:schemeClr>
+          </a:lnRef>
+          <a:fillRef idx="1">
+            <a:schemeClr val="accent1"/>
+          </a:fillRef>
+          <a:effectRef idx="0">
+            <a:schemeClr val="accent1"/>
+          </a:effectRef>
+          <a:fontRef idx="minor">
+            <a:schemeClr val="lt1"/>
+          </a:fontRef>
+        </p:style>
+        <p:txBody>
+          <a:bodyPr rtlCol="0" anchor="ctr"/>
+          <a:lstStyle/>
+          <a:p>
+            <a:pPr algn="ctr"/>
+            <a:r>
+              <a:rPr lang="en-US" altLang="ko-KR" sz="2800" b="1" dirty="0">
+                <a:solidFill>
+                  <a:schemeClr val="bg1"/>
+                </a:solidFill>
+              </a:rPr>
+              <a:t>RPA</a:t>
+            </a:r>
+            <a:endParaRPr lang="ko-KR" altLang="en-US" sz="2800" b="1" dirty="0">
+              <a:solidFill>
+                <a:schemeClr val="bg1"/>
+              </a:solidFill>
+            </a:endParaRPr>
+          </a:p>
+        </p:txBody>
+      </p:sp>
+    </p:spTree>
+    <p:extLst>
+      <p:ext uri="{BB962C8B-B14F-4D97-AF65-F5344CB8AC3E}">
+        <p14:creationId xmlns:p14="http://schemas.microsoft.com/office/powerpoint/2010/main" val="79547135"/>
+      </p:ext>
+    </p:extLst>
+  </p:cSld>
+  <p:clrMapOvr>
+    <a:masterClrMapping/>
+  </p:clrMapOvr>
+  <p:timing>
+    <p:tnLst>
+      <p:par>
+        <p:cTn id="1" dur="indefinite" restart="never" nodeType="tmRoot">
+          <p:childTnLst>
+            <p:seq concurrent="1" nextAc="seek">
+              <p:cTn id="2" dur="indefinite" nodeType="mainSeq">
+                <p:childTnLst>
+                  <p:par>
+                    <p:cTn id="3" fill="hold">
+                      <p:stCondLst>
+                        <p:cond delay="indefinite"/>
+                      </p:stCondLst>
+                      <p:childTnLst>
+                        <p:par>
+                          <p:cTn id="4" fill="hold">
+                            <p:stCondLst>
+                              <p:cond delay="0"/>
+                            </p:stCondLst>
+                            <p:childTnLst>
+                              <p:par>
+                                <p:cTn id="5" presetID="1" presetClass="entr" presetSubtype="0" fill="hold" grpId="0" nodeType="clickEffect">
+                                  <p:stCondLst>
+                                    <p:cond delay="0"/>
+                                  </p:stCondLst>
+                                  <p:childTnLst>
+                                    <p:set>
+                                      <p:cBhvr>
+                                        <p:cTn id="6" dur="1" fill="hold">
+                                          <p:stCondLst>
+                                            <p:cond delay="0"/>
+                                          </p:stCondLst>
+                                        </p:cTn>
+                                        <p:tgtEl>
+                                          <p:spTgt spid="15"/>
+                                        </p:tgtEl>
+                                        <p:attrNameLst>
+                                          <p:attrName>style.visibility</p:attrName>
+                                        </p:attrNameLst>
+                                      </p:cBhvr>
+                                      <p:to>
+                                        <p:strVal val="visible"/>
+                                      </p:to>
+                                    </p:set>
+                                  </p:childTnLst>
+                                </p:cTn>
+                              </p:par>
+                            </p:childTnLst>
+                          </p:cTn>
+                        </p:par>
+                      </p:childTnLst>
+                    </p:cTn>
+                  </p:par>
+                </p:childTnLst>
+              </p:cTn>
+              <p:prevCondLst>
+                <p:cond evt="onPrev" delay="0">
+                  <p:tgtEl>
+                    <p:sldTgt/>
+                  </p:tgtEl>
+                </p:cond>
+              </p:prevCondLst>
+              <p:nextCondLst>
+                <p:cond evt="onNext" delay="0">
+                  <p:tgtEl>
+                    <p:sldTgt/>
+                  </p:tgtEl>
+                </p:cond>
+              </p:nextCondLst>
+            </p:seq>
+          </p:childTnLst>
+        </p:cTn>
+      </p:par>
+    </p:tnLst>
+    <p:bldLst>
+      <p:bldP spid="15" grpId="0" animBg="1"/>
+    </p:bldLst>
+  </p:timing>
+</p:sld>
+</file>
+
+<file path=ppt/slides/slide8.xml><?xml version="1.0" encoding="utf-8"?>
 <p:sld xmlns:a="http://schemas.openxmlformats.org/drawingml/2006/main" xmlns:r="http://schemas.openxmlformats.org/officeDocument/2006/relationships" xmlns:p="http://schemas.openxmlformats.org/presentationml/2006/main">
   <p:cSld>
     <p:spTree>
@@ -19063,10 +22232,10 @@
         </p:nvGrpSpPr>
         <p:grpSpPr>
           <a:xfrm>
-            <a:off x="8959819" y="5576384"/>
-            <a:ext cx="2508637" cy="676665"/>
-            <a:chOff x="723543" y="5827240"/>
-            <a:chExt cx="2508637" cy="676665"/>
+            <a:off x="8741485" y="5576384"/>
+            <a:ext cx="2945310" cy="676665"/>
+            <a:chOff x="505209" y="5827240"/>
+            <a:chExt cx="2945310" cy="676665"/>
           </a:xfrm>
         </p:grpSpPr>
         <p:sp>
@@ -19120,8 +22289,8 @@
           </p:nvSpPr>
           <p:spPr>
             <a:xfrm>
-              <a:off x="723543" y="6242295"/>
-              <a:ext cx="2508637" cy="261610"/>
+              <a:off x="505209" y="6242295"/>
+              <a:ext cx="2945310" cy="261610"/>
             </a:xfrm>
             <a:prstGeom prst="rect">
               <a:avLst/>
@@ -19137,7 +22306,7 @@
               <a:pPr algn="ctr"/>
               <a:r>
                 <a:rPr lang="ko-KR" altLang="en-US" sz="1100" dirty="0"/>
-                <a:t>수집한 데이터의 정제 작업</a:t>
+                <a:t>수집한 데이터의 정제 및 결과 보고 작업</a:t>
               </a:r>
               <a:endParaRPr kumimoji="1" lang="ja-JP" altLang="en-US" sz="1100" dirty="0"/>
             </a:p>
@@ -19159,13 +22328,13 @@
           <p:nvPr/>
         </p:nvPicPr>
         <p:blipFill>
-          <a:blip r:embed="rId2">
+          <a:blip r:embed="rId3">
             <a:extLst>
               <a:ext uri="{28A0092B-C50C-407E-A947-70E740481C1C}">
                 <a14:useLocalDpi xmlns:a14="http://schemas.microsoft.com/office/drawing/2010/main" val="0"/>
               </a:ext>
               <a:ext uri="{837473B0-CC2E-450A-ABE3-18F120FF3D39}">
-                <a1611:picAttrSrcUrl xmlns:a1611="http://schemas.microsoft.com/office/drawing/2016/11/main" r:id="rId3"/>
+                <a1611:picAttrSrcUrl xmlns:a1611="http://schemas.microsoft.com/office/drawing/2016/11/main" r:id="rId4"/>
               </a:ext>
             </a:extLst>
           </a:blip>
@@ -19198,13 +22367,13 @@
           <p:nvPr/>
         </p:nvPicPr>
         <p:blipFill>
-          <a:blip r:embed="rId4">
+          <a:blip r:embed="rId5">
             <a:extLst>
               <a:ext uri="{28A0092B-C50C-407E-A947-70E740481C1C}">
                 <a14:useLocalDpi xmlns:a14="http://schemas.microsoft.com/office/drawing/2010/main" val="0"/>
               </a:ext>
               <a:ext uri="{837473B0-CC2E-450A-ABE3-18F120FF3D39}">
-                <a1611:picAttrSrcUrl xmlns:a1611="http://schemas.microsoft.com/office/drawing/2016/11/main" r:id="rId5"/>
+                <a1611:picAttrSrcUrl xmlns:a1611="http://schemas.microsoft.com/office/drawing/2016/11/main" r:id="rId6"/>
               </a:ext>
             </a:extLst>
           </a:blip>
@@ -19237,16 +22406,16 @@
           <p:nvPr/>
         </p:nvPicPr>
         <p:blipFill>
-          <a:blip r:embed="rId6">
+          <a:blip r:embed="rId7">
             <a:extLst>
               <a:ext uri="{28A0092B-C50C-407E-A947-70E740481C1C}">
                 <a14:useLocalDpi xmlns:a14="http://schemas.microsoft.com/office/drawing/2010/main" val="0"/>
               </a:ext>
               <a:ext uri="{96DAC541-7B7A-43D3-8B79-37D633B846F1}">
-                <asvg:svgBlip xmlns:asvg="http://schemas.microsoft.com/office/drawing/2016/SVG/main" r:embed="rId7"/>
+                <asvg:svgBlip xmlns:asvg="http://schemas.microsoft.com/office/drawing/2016/SVG/main" r:embed="rId8"/>
               </a:ext>
               <a:ext uri="{837473B0-CC2E-450A-ABE3-18F120FF3D39}">
-                <a1611:picAttrSrcUrl xmlns:a1611="http://schemas.microsoft.com/office/drawing/2016/11/main" r:id="rId8"/>
+                <a1611:picAttrSrcUrl xmlns:a1611="http://schemas.microsoft.com/office/drawing/2016/11/main" r:id="rId9"/>
               </a:ext>
             </a:extLst>
           </a:blip>
@@ -19277,7 +22446,7 @@
 </p:sld>
 </file>
 
-<file path=ppt/slides/slide8.xml><?xml version="1.0" encoding="utf-8"?>
+<file path=ppt/slides/slide9.xml><?xml version="1.0" encoding="utf-8"?>
 <p:sld xmlns:a="http://schemas.openxmlformats.org/drawingml/2006/main" xmlns:r="http://schemas.openxmlformats.org/officeDocument/2006/relationships" xmlns:p="http://schemas.openxmlformats.org/presentationml/2006/main">
   <p:cSld>
     <p:spTree>
@@ -19609,13 +22778,13 @@
           <p:nvPr/>
         </p:nvPicPr>
         <p:blipFill>
-          <a:blip r:embed="rId2">
+          <a:blip r:embed="rId3">
             <a:extLst>
               <a:ext uri="{28A0092B-C50C-407E-A947-70E740481C1C}">
                 <a14:useLocalDpi xmlns:a14="http://schemas.microsoft.com/office/drawing/2010/main" val="0"/>
               </a:ext>
               <a:ext uri="{837473B0-CC2E-450A-ABE3-18F120FF3D39}">
-                <a1611:picAttrSrcUrl xmlns:a1611="http://schemas.microsoft.com/office/drawing/2016/11/main" r:id="rId3"/>
+                <a1611:picAttrSrcUrl xmlns:a1611="http://schemas.microsoft.com/office/drawing/2016/11/main" r:id="rId4"/>
               </a:ext>
             </a:extLst>
           </a:blip>
@@ -19822,713 +22991,6 @@
     <p:extLst>
       <p:ext uri="{BB962C8B-B14F-4D97-AF65-F5344CB8AC3E}">
         <p14:creationId xmlns:p14="http://schemas.microsoft.com/office/powerpoint/2010/main" val="504521223"/>
-      </p:ext>
-    </p:extLst>
-  </p:cSld>
-  <p:clrMapOvr>
-    <a:masterClrMapping/>
-  </p:clrMapOvr>
-</p:sld>
-</file>
-
-<file path=ppt/slides/slide9.xml><?xml version="1.0" encoding="utf-8"?>
-<p:sld xmlns:a="http://schemas.openxmlformats.org/drawingml/2006/main" xmlns:r="http://schemas.openxmlformats.org/officeDocument/2006/relationships" xmlns:p="http://schemas.openxmlformats.org/presentationml/2006/main">
-  <p:cSld>
-    <p:spTree>
-      <p:nvGrpSpPr>
-        <p:cNvPr id="1" name=""/>
-        <p:cNvGrpSpPr/>
-        <p:nvPr/>
-      </p:nvGrpSpPr>
-      <p:grpSpPr>
-        <a:xfrm>
-          <a:off x="0" y="0"/>
-          <a:ext cx="0" cy="0"/>
-          <a:chOff x="0" y="0"/>
-          <a:chExt cx="0" cy="0"/>
-        </a:xfrm>
-      </p:grpSpPr>
-      <p:sp>
-        <p:nvSpPr>
-          <p:cNvPr id="5" name="正方形/長方形 4"/>
-          <p:cNvSpPr/>
-          <p:nvPr/>
-        </p:nvSpPr>
-        <p:spPr>
-          <a:xfrm>
-            <a:off x="0" y="0"/>
-            <a:ext cx="12192000" cy="1616765"/>
-          </a:xfrm>
-          <a:prstGeom prst="rect">
-            <a:avLst/>
-          </a:prstGeom>
-          <a:solidFill>
-            <a:srgbClr val="22578B"/>
-          </a:solidFill>
-          <a:ln>
-            <a:noFill/>
-          </a:ln>
-        </p:spPr>
-        <p:style>
-          <a:lnRef idx="2">
-            <a:schemeClr val="accent1">
-              <a:shade val="50000"/>
-            </a:schemeClr>
-          </a:lnRef>
-          <a:fillRef idx="1">
-            <a:schemeClr val="accent1"/>
-          </a:fillRef>
-          <a:effectRef idx="0">
-            <a:schemeClr val="accent1"/>
-          </a:effectRef>
-          <a:fontRef idx="minor">
-            <a:schemeClr val="lt1"/>
-          </a:fontRef>
-        </p:style>
-        <p:txBody>
-          <a:bodyPr rtlCol="0" anchor="ctr"/>
-          <a:lstStyle/>
-          <a:p>
-            <a:pPr algn="ctr"/>
-            <a:endParaRPr kumimoji="1" lang="ja-JP" altLang="en-US"/>
-          </a:p>
-        </p:txBody>
-      </p:sp>
-      <p:grpSp>
-        <p:nvGrpSpPr>
-          <p:cNvPr id="2" name="グループ化 1"/>
-          <p:cNvGrpSpPr/>
-          <p:nvPr/>
-        </p:nvGrpSpPr>
-        <p:grpSpPr>
-          <a:xfrm>
-            <a:off x="282270" y="316503"/>
-            <a:ext cx="2110410" cy="929201"/>
-            <a:chOff x="556590" y="1460994"/>
-            <a:chExt cx="2110410" cy="1134834"/>
-          </a:xfrm>
-        </p:grpSpPr>
-        <p:sp>
-          <p:nvSpPr>
-            <p:cNvPr id="3" name="ホームベース 2"/>
-            <p:cNvSpPr/>
-            <p:nvPr/>
-          </p:nvSpPr>
-          <p:spPr>
-            <a:xfrm>
-              <a:off x="556590" y="1460994"/>
-              <a:ext cx="2110410" cy="1134834"/>
-            </a:xfrm>
-            <a:prstGeom prst="homePlate">
-              <a:avLst/>
-            </a:prstGeom>
-            <a:solidFill>
-              <a:schemeClr val="bg1"/>
-            </a:solidFill>
-            <a:ln w="76200">
-              <a:solidFill>
-                <a:srgbClr val="1F3359"/>
-              </a:solidFill>
-            </a:ln>
-          </p:spPr>
-          <p:style>
-            <a:lnRef idx="2">
-              <a:schemeClr val="accent1">
-                <a:shade val="50000"/>
-              </a:schemeClr>
-            </a:lnRef>
-            <a:fillRef idx="1">
-              <a:schemeClr val="accent1"/>
-            </a:fillRef>
-            <a:effectRef idx="0">
-              <a:schemeClr val="accent1"/>
-            </a:effectRef>
-            <a:fontRef idx="minor">
-              <a:schemeClr val="lt1"/>
-            </a:fontRef>
-          </p:style>
-          <p:txBody>
-            <a:bodyPr rtlCol="0" anchor="ctr"/>
-            <a:lstStyle/>
-            <a:p>
-              <a:pPr algn="ctr"/>
-              <a:endParaRPr kumimoji="1" lang="ja-JP" altLang="en-US"/>
-            </a:p>
-          </p:txBody>
-        </p:sp>
-        <p:sp>
-          <p:nvSpPr>
-            <p:cNvPr id="4" name="テキスト ボックス 3"/>
-            <p:cNvSpPr txBox="1"/>
-            <p:nvPr/>
-          </p:nvSpPr>
-          <p:spPr>
-            <a:xfrm>
-              <a:off x="795130" y="1606538"/>
-              <a:ext cx="1467068" cy="789365"/>
-            </a:xfrm>
-            <a:prstGeom prst="rect">
-              <a:avLst/>
-            </a:prstGeom>
-            <a:noFill/>
-          </p:spPr>
-          <p:txBody>
-            <a:bodyPr wrap="none" rtlCol="0">
-              <a:spAutoFit/>
-            </a:bodyPr>
-            <a:lstStyle/>
-            <a:p>
-              <a:r>
-                <a:rPr kumimoji="1" lang="en-US" altLang="ko-KR" sz="3600" b="1" dirty="0">
-                  <a:solidFill>
-                    <a:srgbClr val="1F3359"/>
-                  </a:solidFill>
-                </a:rPr>
-                <a:t>Part 2</a:t>
-              </a:r>
-              <a:endParaRPr kumimoji="1" lang="ja-JP" altLang="en-US" sz="3600" b="1" dirty="0">
-                <a:solidFill>
-                  <a:srgbClr val="1F3359"/>
-                </a:solidFill>
-              </a:endParaRPr>
-            </a:p>
-          </p:txBody>
-        </p:sp>
-      </p:grpSp>
-      <p:sp>
-        <p:nvSpPr>
-          <p:cNvPr id="6" name="テキスト ボックス 5"/>
-          <p:cNvSpPr txBox="1"/>
-          <p:nvPr/>
-        </p:nvSpPr>
-        <p:spPr>
-          <a:xfrm>
-            <a:off x="2631220" y="316503"/>
-            <a:ext cx="9109994" cy="923330"/>
-          </a:xfrm>
-          <a:prstGeom prst="rect">
-            <a:avLst/>
-          </a:prstGeom>
-          <a:noFill/>
-        </p:spPr>
-        <p:txBody>
-          <a:bodyPr wrap="none" rtlCol="0">
-            <a:spAutoFit/>
-          </a:bodyPr>
-          <a:lstStyle/>
-          <a:p>
-            <a:r>
-              <a:rPr kumimoji="1" lang="ko-KR" altLang="en-US" sz="5400" b="1" spc="-300" dirty="0">
-                <a:solidFill>
-                  <a:schemeClr val="bg1"/>
-                </a:solidFill>
-              </a:rPr>
-              <a:t>주제 선정 배경 </a:t>
-            </a:r>
-            <a:r>
-              <a:rPr kumimoji="1" lang="en-US" altLang="ko-KR" sz="5400" b="1" spc="-300" dirty="0">
-                <a:solidFill>
-                  <a:schemeClr val="bg1"/>
-                </a:solidFill>
-              </a:rPr>
-              <a:t>– RPA</a:t>
-            </a:r>
-            <a:r>
-              <a:rPr kumimoji="1" lang="ko-KR" altLang="en-US" sz="5400" b="1" spc="-300" dirty="0">
-                <a:solidFill>
-                  <a:schemeClr val="bg1"/>
-                </a:solidFill>
-              </a:rPr>
-              <a:t> 프로세스</a:t>
-            </a:r>
-            <a:endParaRPr kumimoji="1" lang="ja-JP" altLang="en-US" sz="5400" b="1" spc="-300" dirty="0">
-              <a:solidFill>
-                <a:schemeClr val="bg1"/>
-              </a:solidFill>
-            </a:endParaRPr>
-          </a:p>
-        </p:txBody>
-      </p:sp>
-      <p:grpSp>
-        <p:nvGrpSpPr>
-          <p:cNvPr id="32" name="그룹 31">
-            <a:extLst>
-              <a:ext uri="{FF2B5EF4-FFF2-40B4-BE49-F238E27FC236}">
-                <a16:creationId xmlns:a16="http://schemas.microsoft.com/office/drawing/2014/main" id="{72A7B0E0-0CF1-43EF-8268-2C5E6775D168}"/>
-              </a:ext>
-            </a:extLst>
-          </p:cNvPr>
-          <p:cNvGrpSpPr/>
-          <p:nvPr/>
-        </p:nvGrpSpPr>
-        <p:grpSpPr>
-          <a:xfrm>
-            <a:off x="723543" y="5576384"/>
-            <a:ext cx="2508637" cy="676665"/>
-            <a:chOff x="723543" y="5827240"/>
-            <a:chExt cx="2508637" cy="676665"/>
-          </a:xfrm>
-        </p:grpSpPr>
-        <p:sp>
-          <p:nvSpPr>
-            <p:cNvPr id="33" name="テキスト ボックス 11">
-              <a:extLst>
-                <a:ext uri="{FF2B5EF4-FFF2-40B4-BE49-F238E27FC236}">
-                  <a16:creationId xmlns:a16="http://schemas.microsoft.com/office/drawing/2014/main" id="{F00A55CF-75B1-4213-96ED-B05B9DD4E650}"/>
-                </a:ext>
-              </a:extLst>
-            </p:cNvPr>
-            <p:cNvSpPr txBox="1"/>
-            <p:nvPr/>
-          </p:nvSpPr>
-          <p:spPr>
-            <a:xfrm>
-              <a:off x="917318" y="5827240"/>
-              <a:ext cx="2121093" cy="400110"/>
-            </a:xfrm>
-            <a:prstGeom prst="rect">
-              <a:avLst/>
-            </a:prstGeom>
-            <a:noFill/>
-          </p:spPr>
-          <p:txBody>
-            <a:bodyPr wrap="none" rtlCol="0">
-              <a:spAutoFit/>
-            </a:bodyPr>
-            <a:lstStyle/>
-            <a:p>
-              <a:pPr algn="ctr"/>
-              <a:r>
-                <a:rPr kumimoji="1" lang="ko-KR" altLang="en-US" sz="2000" b="1" dirty="0"/>
-                <a:t>웹 데이터 </a:t>
-              </a:r>
-              <a:r>
-                <a:rPr kumimoji="1" lang="ko-KR" altLang="en-US" sz="2000" b="1" dirty="0" err="1"/>
-                <a:t>크롤링</a:t>
-              </a:r>
-              <a:endParaRPr kumimoji="1" lang="ja-JP" altLang="en-US" sz="2000" b="1" dirty="0"/>
-            </a:p>
-          </p:txBody>
-        </p:sp>
-        <p:sp>
-          <p:nvSpPr>
-            <p:cNvPr id="34" name="テキスト ボックス 12">
-              <a:extLst>
-                <a:ext uri="{FF2B5EF4-FFF2-40B4-BE49-F238E27FC236}">
-                  <a16:creationId xmlns:a16="http://schemas.microsoft.com/office/drawing/2014/main" id="{27756361-4FE8-42C0-970F-9179024F7418}"/>
-                </a:ext>
-              </a:extLst>
-            </p:cNvPr>
-            <p:cNvSpPr txBox="1"/>
-            <p:nvPr/>
-          </p:nvSpPr>
-          <p:spPr>
-            <a:xfrm>
-              <a:off x="723543" y="6242295"/>
-              <a:ext cx="2508637" cy="261610"/>
-            </a:xfrm>
-            <a:prstGeom prst="rect">
-              <a:avLst/>
-            </a:prstGeom>
-            <a:noFill/>
-          </p:spPr>
-          <p:txBody>
-            <a:bodyPr wrap="square" rtlCol="0">
-              <a:spAutoFit/>
-            </a:bodyPr>
-            <a:lstStyle/>
-            <a:p>
-              <a:pPr algn="ctr"/>
-              <a:r>
-                <a:rPr lang="ko-KR" altLang="en-US" sz="1100" dirty="0"/>
-                <a:t>키워드 검색 기반 데이터 수집</a:t>
-              </a:r>
-              <a:endParaRPr kumimoji="1" lang="ja-JP" altLang="en-US" sz="1100" dirty="0"/>
-            </a:p>
-          </p:txBody>
-        </p:sp>
-      </p:grpSp>
-      <p:pic>
-        <p:nvPicPr>
-          <p:cNvPr id="13" name="그림 12">
-            <a:extLst>
-              <a:ext uri="{FF2B5EF4-FFF2-40B4-BE49-F238E27FC236}">
-                <a16:creationId xmlns:a16="http://schemas.microsoft.com/office/drawing/2014/main" id="{37A34470-28B7-4022-A283-B79115AAAD6C}"/>
-              </a:ext>
-            </a:extLst>
-          </p:cNvPr>
-          <p:cNvPicPr>
-            <a:picLocks noChangeAspect="1"/>
-          </p:cNvPicPr>
-          <p:nvPr/>
-        </p:nvPicPr>
-        <p:blipFill>
-          <a:blip r:embed="rId2">
-            <a:extLst>
-              <a:ext uri="{28A0092B-C50C-407E-A947-70E740481C1C}">
-                <a14:useLocalDpi xmlns:a14="http://schemas.microsoft.com/office/drawing/2010/main" val="0"/>
-              </a:ext>
-              <a:ext uri="{837473B0-CC2E-450A-ABE3-18F120FF3D39}">
-                <a1611:picAttrSrcUrl xmlns:a1611="http://schemas.microsoft.com/office/drawing/2016/11/main" r:id="rId3"/>
-              </a:ext>
-            </a:extLst>
-          </a:blip>
-          <a:stretch>
-            <a:fillRect/>
-          </a:stretch>
-        </p:blipFill>
-        <p:spPr>
-          <a:xfrm>
-            <a:off x="864403" y="2640246"/>
-            <a:ext cx="2138744" cy="2121068"/>
-          </a:xfrm>
-          <a:prstGeom prst="rect">
-            <a:avLst/>
-          </a:prstGeom>
-        </p:spPr>
-      </p:pic>
-      <p:sp>
-        <p:nvSpPr>
-          <p:cNvPr id="22" name="직사각형 21">
-            <a:extLst>
-              <a:ext uri="{FF2B5EF4-FFF2-40B4-BE49-F238E27FC236}">
-                <a16:creationId xmlns:a16="http://schemas.microsoft.com/office/drawing/2014/main" id="{55003C16-8C45-4737-ADDB-24FA5CE02F62}"/>
-              </a:ext>
-            </a:extLst>
-          </p:cNvPr>
-          <p:cNvSpPr/>
-          <p:nvPr/>
-        </p:nvSpPr>
-        <p:spPr>
-          <a:xfrm>
-            <a:off x="4565190" y="2402296"/>
-            <a:ext cx="6753138" cy="1194278"/>
-          </a:xfrm>
-          <a:prstGeom prst="rect">
-            <a:avLst/>
-          </a:prstGeom>
-        </p:spPr>
-        <p:style>
-          <a:lnRef idx="2">
-            <a:schemeClr val="accent4">
-              <a:shade val="50000"/>
-            </a:schemeClr>
-          </a:lnRef>
-          <a:fillRef idx="1">
-            <a:schemeClr val="accent4"/>
-          </a:fillRef>
-          <a:effectRef idx="0">
-            <a:schemeClr val="accent4"/>
-          </a:effectRef>
-          <a:fontRef idx="minor">
-            <a:schemeClr val="lt1"/>
-          </a:fontRef>
-        </p:style>
-        <p:txBody>
-          <a:bodyPr rtlCol="0" anchor="ctr"/>
-          <a:lstStyle/>
-          <a:p>
-            <a:pPr algn="ctr"/>
-            <a:r>
-              <a:rPr lang="ko-KR" altLang="en-US" b="1" dirty="0"/>
-              <a:t>중고 거래 사이트 </a:t>
-            </a:r>
-            <a:r>
-              <a:rPr lang="ko-KR" altLang="en-US" b="1" dirty="0" err="1"/>
-              <a:t>크롤링</a:t>
-            </a:r>
-            <a:endParaRPr lang="en-US" altLang="ko-KR" b="1" dirty="0"/>
-          </a:p>
-          <a:p>
-            <a:pPr algn="ctr"/>
-            <a:r>
-              <a:rPr lang="en-US" altLang="ko-KR" b="1" dirty="0"/>
-              <a:t>(</a:t>
-            </a:r>
-            <a:r>
-              <a:rPr lang="ko-KR" altLang="en-US" b="1" dirty="0"/>
-              <a:t>웹 주소</a:t>
-            </a:r>
-            <a:r>
-              <a:rPr lang="en-US" altLang="ko-KR" b="1" dirty="0"/>
-              <a:t>, </a:t>
-            </a:r>
-            <a:r>
-              <a:rPr lang="ko-KR" altLang="en-US" b="1" dirty="0"/>
-              <a:t>가격</a:t>
-            </a:r>
-            <a:r>
-              <a:rPr lang="en-US" altLang="ko-KR" b="1" dirty="0"/>
-              <a:t>, </a:t>
-            </a:r>
-            <a:r>
-              <a:rPr lang="ko-KR" altLang="en-US" b="1" dirty="0"/>
-              <a:t>거래 장소</a:t>
-            </a:r>
-            <a:r>
-              <a:rPr lang="en-US" altLang="ko-KR" b="1" dirty="0"/>
-              <a:t> </a:t>
-            </a:r>
-            <a:r>
-              <a:rPr lang="ko-KR" altLang="en-US" b="1" dirty="0"/>
-              <a:t>등</a:t>
-            </a:r>
-            <a:r>
-              <a:rPr lang="en-US" altLang="ko-KR" b="1" dirty="0"/>
-              <a:t>)</a:t>
-            </a:r>
-            <a:endParaRPr lang="ko-KR" altLang="en-US" b="1" dirty="0"/>
-          </a:p>
-        </p:txBody>
-      </p:sp>
-      <p:sp>
-        <p:nvSpPr>
-          <p:cNvPr id="24" name="원통형 23">
-            <a:extLst>
-              <a:ext uri="{FF2B5EF4-FFF2-40B4-BE49-F238E27FC236}">
-                <a16:creationId xmlns:a16="http://schemas.microsoft.com/office/drawing/2014/main" id="{65B70870-CFA3-4273-836C-13A471F07D2B}"/>
-              </a:ext>
-            </a:extLst>
-          </p:cNvPr>
-          <p:cNvSpPr/>
-          <p:nvPr/>
-        </p:nvSpPr>
-        <p:spPr>
-          <a:xfrm>
-            <a:off x="7213993" y="4939889"/>
-            <a:ext cx="1455531" cy="1272989"/>
-          </a:xfrm>
-          <a:prstGeom prst="can">
-            <a:avLst/>
-          </a:prstGeom>
-          <a:solidFill>
-            <a:schemeClr val="accent4">
-              <a:lumMod val="20000"/>
-              <a:lumOff val="80000"/>
-            </a:schemeClr>
-          </a:solidFill>
-        </p:spPr>
-        <p:style>
-          <a:lnRef idx="2">
-            <a:schemeClr val="accent4">
-              <a:shade val="50000"/>
-            </a:schemeClr>
-          </a:lnRef>
-          <a:fillRef idx="1">
-            <a:schemeClr val="accent4"/>
-          </a:fillRef>
-          <a:effectRef idx="0">
-            <a:schemeClr val="accent4"/>
-          </a:effectRef>
-          <a:fontRef idx="minor">
-            <a:schemeClr val="lt1"/>
-          </a:fontRef>
-        </p:style>
-        <p:txBody>
-          <a:bodyPr rtlCol="0" anchor="ctr"/>
-          <a:lstStyle/>
-          <a:p>
-            <a:pPr algn="ctr"/>
-            <a:r>
-              <a:rPr lang="en-US" altLang="ko-KR" dirty="0">
-                <a:solidFill>
-                  <a:schemeClr val="tx2"/>
-                </a:solidFill>
-              </a:rPr>
-              <a:t>DATABASE</a:t>
-            </a:r>
-            <a:endParaRPr lang="ko-KR" altLang="en-US" dirty="0">
-              <a:solidFill>
-                <a:schemeClr val="tx2"/>
-              </a:solidFill>
-            </a:endParaRPr>
-          </a:p>
-        </p:txBody>
-      </p:sp>
-      <p:sp>
-        <p:nvSpPr>
-          <p:cNvPr id="25" name="원통형 24">
-            <a:extLst>
-              <a:ext uri="{FF2B5EF4-FFF2-40B4-BE49-F238E27FC236}">
-                <a16:creationId xmlns:a16="http://schemas.microsoft.com/office/drawing/2014/main" id="{65E339BC-EA43-419F-B44E-41250E34CEA3}"/>
-              </a:ext>
-            </a:extLst>
-          </p:cNvPr>
-          <p:cNvSpPr/>
-          <p:nvPr/>
-        </p:nvSpPr>
-        <p:spPr>
-          <a:xfrm>
-            <a:off x="5758462" y="4939889"/>
-            <a:ext cx="1455531" cy="1272989"/>
-          </a:xfrm>
-          <a:prstGeom prst="can">
-            <a:avLst/>
-          </a:prstGeom>
-          <a:solidFill>
-            <a:schemeClr val="accent4">
-              <a:lumMod val="20000"/>
-              <a:lumOff val="80000"/>
-            </a:schemeClr>
-          </a:solidFill>
-        </p:spPr>
-        <p:style>
-          <a:lnRef idx="2">
-            <a:schemeClr val="accent4">
-              <a:shade val="50000"/>
-            </a:schemeClr>
-          </a:lnRef>
-          <a:fillRef idx="1">
-            <a:schemeClr val="accent4"/>
-          </a:fillRef>
-          <a:effectRef idx="0">
-            <a:schemeClr val="accent4"/>
-          </a:effectRef>
-          <a:fontRef idx="minor">
-            <a:schemeClr val="lt1"/>
-          </a:fontRef>
-        </p:style>
-        <p:txBody>
-          <a:bodyPr rtlCol="0" anchor="ctr"/>
-          <a:lstStyle/>
-          <a:p>
-            <a:pPr algn="ctr"/>
-            <a:r>
-              <a:rPr lang="en-US" altLang="ko-KR" dirty="0">
-                <a:solidFill>
-                  <a:schemeClr val="tx2"/>
-                </a:solidFill>
-              </a:rPr>
-              <a:t>DATABASE</a:t>
-            </a:r>
-            <a:endParaRPr lang="ko-KR" altLang="en-US" dirty="0">
-              <a:solidFill>
-                <a:schemeClr val="tx2"/>
-              </a:solidFill>
-            </a:endParaRPr>
-          </a:p>
-        </p:txBody>
-      </p:sp>
-      <p:sp>
-        <p:nvSpPr>
-          <p:cNvPr id="26" name="원통형 25">
-            <a:extLst>
-              <a:ext uri="{FF2B5EF4-FFF2-40B4-BE49-F238E27FC236}">
-                <a16:creationId xmlns:a16="http://schemas.microsoft.com/office/drawing/2014/main" id="{7663F818-5AA3-4F07-A2E0-1B03DF5F2BF0}"/>
-              </a:ext>
-            </a:extLst>
-          </p:cNvPr>
-          <p:cNvSpPr/>
-          <p:nvPr/>
-        </p:nvSpPr>
-        <p:spPr>
-          <a:xfrm>
-            <a:off x="8669524" y="4939889"/>
-            <a:ext cx="1455531" cy="1272989"/>
-          </a:xfrm>
-          <a:prstGeom prst="can">
-            <a:avLst/>
-          </a:prstGeom>
-          <a:solidFill>
-            <a:schemeClr val="accent4">
-              <a:lumMod val="20000"/>
-              <a:lumOff val="80000"/>
-            </a:schemeClr>
-          </a:solidFill>
-        </p:spPr>
-        <p:style>
-          <a:lnRef idx="2">
-            <a:schemeClr val="accent4">
-              <a:shade val="50000"/>
-            </a:schemeClr>
-          </a:lnRef>
-          <a:fillRef idx="1">
-            <a:schemeClr val="accent4"/>
-          </a:fillRef>
-          <a:effectRef idx="0">
-            <a:schemeClr val="accent4"/>
-          </a:effectRef>
-          <a:fontRef idx="minor">
-            <a:schemeClr val="lt1"/>
-          </a:fontRef>
-        </p:style>
-        <p:txBody>
-          <a:bodyPr rtlCol="0" anchor="ctr"/>
-          <a:lstStyle/>
-          <a:p>
-            <a:pPr algn="ctr"/>
-            <a:r>
-              <a:rPr lang="en-US" altLang="ko-KR" dirty="0">
-                <a:solidFill>
-                  <a:schemeClr val="tx2"/>
-                </a:solidFill>
-              </a:rPr>
-              <a:t>DATABASE</a:t>
-            </a:r>
-            <a:endParaRPr lang="ko-KR" altLang="en-US" dirty="0">
-              <a:solidFill>
-                <a:schemeClr val="tx2"/>
-              </a:solidFill>
-            </a:endParaRPr>
-          </a:p>
-        </p:txBody>
-      </p:sp>
-      <p:sp>
-        <p:nvSpPr>
-          <p:cNvPr id="27" name="화살표: 오른쪽 26">
-            <a:extLst>
-              <a:ext uri="{FF2B5EF4-FFF2-40B4-BE49-F238E27FC236}">
-                <a16:creationId xmlns:a16="http://schemas.microsoft.com/office/drawing/2014/main" id="{13591F0C-4EA3-4E5B-B59C-94D08476EF8C}"/>
-              </a:ext>
-            </a:extLst>
-          </p:cNvPr>
-          <p:cNvSpPr/>
-          <p:nvPr/>
-        </p:nvSpPr>
-        <p:spPr>
-          <a:xfrm rot="5400000">
-            <a:off x="7426915" y="4005783"/>
-            <a:ext cx="1029689" cy="523220"/>
-          </a:xfrm>
-          <a:prstGeom prst="rightArrow">
-            <a:avLst/>
-          </a:prstGeom>
-          <a:solidFill>
-            <a:schemeClr val="accent4"/>
-          </a:solidFill>
-          <a:ln>
-            <a:noFill/>
-          </a:ln>
-        </p:spPr>
-        <p:style>
-          <a:lnRef idx="2">
-            <a:schemeClr val="accent1">
-              <a:shade val="50000"/>
-            </a:schemeClr>
-          </a:lnRef>
-          <a:fillRef idx="1">
-            <a:schemeClr val="accent1"/>
-          </a:fillRef>
-          <a:effectRef idx="0">
-            <a:schemeClr val="accent1"/>
-          </a:effectRef>
-          <a:fontRef idx="minor">
-            <a:schemeClr val="lt1"/>
-          </a:fontRef>
-        </p:style>
-        <p:txBody>
-          <a:bodyPr rtlCol="0" anchor="ctr"/>
-          <a:lstStyle/>
-          <a:p>
-            <a:pPr algn="ctr"/>
-            <a:endParaRPr lang="ko-KR" altLang="en-US"/>
-          </a:p>
-        </p:txBody>
-      </p:sp>
-    </p:spTree>
-    <p:extLst>
-      <p:ext uri="{BB962C8B-B14F-4D97-AF65-F5344CB8AC3E}">
-        <p14:creationId xmlns:p14="http://schemas.microsoft.com/office/powerpoint/2010/main" val="3853112589"/>
       </p:ext>
     </p:extLst>
   </p:cSld>
